--- a/src/site/discrete2021/slides/Discrete-Overflow.pptx
+++ b/src/site/discrete2021/slides/Discrete-Overflow.pptx
@@ -5,7 +5,7 @@
     <p:sldMasterId id="2147483648" r:id="rId1"/>
   </p:sldMasterIdLst>
   <p:notesMasterIdLst>
-    <p:notesMasterId r:id="rId13"/>
+    <p:notesMasterId r:id="rId19"/>
   </p:notesMasterIdLst>
   <p:sldIdLst>
     <p:sldId id="908" r:id="rId2"/>
@@ -19,6 +19,12 @@
     <p:sldId id="904" r:id="rId10"/>
     <p:sldId id="905" r:id="rId11"/>
     <p:sldId id="906" r:id="rId12"/>
+    <p:sldId id="916" r:id="rId13"/>
+    <p:sldId id="917" r:id="rId14"/>
+    <p:sldId id="918" r:id="rId15"/>
+    <p:sldId id="919" r:id="rId16"/>
+    <p:sldId id="920" r:id="rId17"/>
+    <p:sldId id="921" r:id="rId18"/>
   </p:sldIdLst>
   <p:sldSz cx="12192000" cy="6858000"/>
   <p:notesSz cx="6858000" cy="9144000"/>
@@ -143,6 +149,24 @@
             <p14:sldId id="906"/>
           </p14:sldIdLst>
         </p14:section>
+        <p14:section name="Ch08P3" id="{E15102C0-9C5A-4B54-9E25-4A0DB4C1DE4E}">
+          <p14:sldIdLst>
+            <p14:sldId id="916"/>
+            <p14:sldId id="917"/>
+          </p14:sldIdLst>
+        </p14:section>
+        <p14:section name="Ch10P1" id="{9B9FC880-C371-4221-9B97-FE52BBC7244D}">
+          <p14:sldIdLst>
+            <p14:sldId id="918"/>
+            <p14:sldId id="919"/>
+          </p14:sldIdLst>
+        </p14:section>
+        <p14:section name="Ch10P3" id="{421EFC17-B9D2-490A-AE71-AE503F2C39C5}">
+          <p14:sldIdLst>
+            <p14:sldId id="920"/>
+            <p14:sldId id="921"/>
+          </p14:sldIdLst>
+        </p14:section>
       </p14:sectionLst>
     </p:ext>
     <p:ext uri="{EFAFB233-063F-42B5-8137-9DF3F51BA10A}">
@@ -234,7 +258,7 @@
           <a:p>
             <a:fld id="{21C6C08E-8AD4-46C5-BAC9-3D04C6463705}" type="datetimeFigureOut">
               <a:rPr lang="lv-LV" smtClean="0"/>
-              <a:t>07.02.2021</a:t>
+              <a:t>01.04.2021</a:t>
             </a:fld>
             <a:endParaRPr lang="lv-LV"/>
           </a:p>
@@ -633,7 +657,7 @@
           <a:p>
             <a:fld id="{5ADEB7B1-3A76-4692-AABD-C23989DC5F71}" type="datetimeFigureOut">
               <a:rPr lang="lv-LV" smtClean="0"/>
-              <a:t>07.02.2021</a:t>
+              <a:t>01.04.2021</a:t>
             </a:fld>
             <a:endParaRPr lang="lv-LV"/>
           </a:p>
@@ -803,7 +827,7 @@
           <a:p>
             <a:fld id="{5ADEB7B1-3A76-4692-AABD-C23989DC5F71}" type="datetimeFigureOut">
               <a:rPr lang="lv-LV" smtClean="0"/>
-              <a:t>07.02.2021</a:t>
+              <a:t>01.04.2021</a:t>
             </a:fld>
             <a:endParaRPr lang="lv-LV"/>
           </a:p>
@@ -983,7 +1007,7 @@
           <a:p>
             <a:fld id="{5ADEB7B1-3A76-4692-AABD-C23989DC5F71}" type="datetimeFigureOut">
               <a:rPr lang="lv-LV" smtClean="0"/>
-              <a:t>07.02.2021</a:t>
+              <a:t>01.04.2021</a:t>
             </a:fld>
             <a:endParaRPr lang="lv-LV"/>
           </a:p>
@@ -1153,7 +1177,7 @@
           <a:p>
             <a:fld id="{5ADEB7B1-3A76-4692-AABD-C23989DC5F71}" type="datetimeFigureOut">
               <a:rPr lang="lv-LV" smtClean="0"/>
-              <a:t>07.02.2021</a:t>
+              <a:t>01.04.2021</a:t>
             </a:fld>
             <a:endParaRPr lang="lv-LV"/>
           </a:p>
@@ -1399,7 +1423,7 @@
           <a:p>
             <a:fld id="{5ADEB7B1-3A76-4692-AABD-C23989DC5F71}" type="datetimeFigureOut">
               <a:rPr lang="lv-LV" smtClean="0"/>
-              <a:t>07.02.2021</a:t>
+              <a:t>01.04.2021</a:t>
             </a:fld>
             <a:endParaRPr lang="lv-LV"/>
           </a:p>
@@ -1631,7 +1655,7 @@
           <a:p>
             <a:fld id="{5ADEB7B1-3A76-4692-AABD-C23989DC5F71}" type="datetimeFigureOut">
               <a:rPr lang="lv-LV" smtClean="0"/>
-              <a:t>07.02.2021</a:t>
+              <a:t>01.04.2021</a:t>
             </a:fld>
             <a:endParaRPr lang="lv-LV"/>
           </a:p>
@@ -1998,7 +2022,7 @@
           <a:p>
             <a:fld id="{5ADEB7B1-3A76-4692-AABD-C23989DC5F71}" type="datetimeFigureOut">
               <a:rPr lang="lv-LV" smtClean="0"/>
-              <a:t>07.02.2021</a:t>
+              <a:t>01.04.2021</a:t>
             </a:fld>
             <a:endParaRPr lang="lv-LV"/>
           </a:p>
@@ -2116,7 +2140,7 @@
           <a:p>
             <a:fld id="{5ADEB7B1-3A76-4692-AABD-C23989DC5F71}" type="datetimeFigureOut">
               <a:rPr lang="lv-LV" smtClean="0"/>
-              <a:t>07.02.2021</a:t>
+              <a:t>01.04.2021</a:t>
             </a:fld>
             <a:endParaRPr lang="lv-LV"/>
           </a:p>
@@ -2211,7 +2235,7 @@
           <a:p>
             <a:fld id="{5ADEB7B1-3A76-4692-AABD-C23989DC5F71}" type="datetimeFigureOut">
               <a:rPr lang="lv-LV" smtClean="0"/>
-              <a:t>07.02.2021</a:t>
+              <a:t>01.04.2021</a:t>
             </a:fld>
             <a:endParaRPr lang="lv-LV"/>
           </a:p>
@@ -2488,7 +2512,7 @@
           <a:p>
             <a:fld id="{5ADEB7B1-3A76-4692-AABD-C23989DC5F71}" type="datetimeFigureOut">
               <a:rPr lang="lv-LV" smtClean="0"/>
-              <a:t>07.02.2021</a:t>
+              <a:t>01.04.2021</a:t>
             </a:fld>
             <a:endParaRPr lang="lv-LV"/>
           </a:p>
@@ -2741,7 +2765,7 @@
           <a:p>
             <a:fld id="{5ADEB7B1-3A76-4692-AABD-C23989DC5F71}" type="datetimeFigureOut">
               <a:rPr lang="lv-LV" smtClean="0"/>
-              <a:t>07.02.2021</a:t>
+              <a:t>01.04.2021</a:t>
             </a:fld>
             <a:endParaRPr lang="lv-LV"/>
           </a:p>
@@ -2954,7 +2978,7 @@
           <a:p>
             <a:fld id="{5ADEB7B1-3A76-4692-AABD-C23989DC5F71}" type="datetimeFigureOut">
               <a:rPr lang="lv-LV" smtClean="0"/>
-              <a:t>07.02.2021</a:t>
+              <a:t>01.04.2021</a:t>
             </a:fld>
             <a:endParaRPr lang="lv-LV"/>
           </a:p>
@@ -5359,6 +5383,2564 @@
       </p:par>
     </p:tnLst>
   </p:timing>
+</p:sld>
+</file>
+
+<file path=ppt/slides/slide12.xml><?xml version="1.0" encoding="utf-8"?>
+<p:sld xmlns:a="http://schemas.openxmlformats.org/drawingml/2006/main" xmlns:r="http://schemas.openxmlformats.org/officeDocument/2006/relationships" xmlns:p="http://schemas.openxmlformats.org/presentationml/2006/main">
+  <p:cSld>
+    <p:spTree>
+      <p:nvGrpSpPr>
+        <p:cNvPr id="1" name=""/>
+        <p:cNvGrpSpPr/>
+        <p:nvPr/>
+      </p:nvGrpSpPr>
+      <p:grpSpPr>
+        <a:xfrm>
+          <a:off x="0" y="0"/>
+          <a:ext cx="0" cy="0"/>
+          <a:chOff x="0" y="0"/>
+          <a:chExt cx="0" cy="0"/>
+        </a:xfrm>
+      </p:grpSpPr>
+      <p:sp>
+        <p:nvSpPr>
+          <p:cNvPr id="2" name="Title 1"/>
+          <p:cNvSpPr>
+            <a:spLocks noGrp="1"/>
+          </p:cNvSpPr>
+          <p:nvPr>
+            <p:ph type="title"/>
+          </p:nvPr>
+        </p:nvSpPr>
+        <p:spPr/>
+        <p:txBody>
+          <a:bodyPr>
+            <a:normAutofit/>
+          </a:bodyPr>
+          <a:lstStyle/>
+          <a:p>
+            <a:r>
+              <a:rPr lang="en-US" sz="4000" dirty="0"/>
+              <a:t>Example: Fast Multiplication of Integers</a:t>
+            </a:r>
+          </a:p>
+        </p:txBody>
+      </p:sp>
+      <p:sp>
+        <p:nvSpPr>
+          <p:cNvPr id="3" name="Content Placeholder 2"/>
+          <p:cNvSpPr>
+            <a:spLocks noGrp="1"/>
+          </p:cNvSpPr>
+          <p:nvPr>
+            <p:ph sz="half" idx="1"/>
+          </p:nvPr>
+        </p:nvSpPr>
+        <p:spPr/>
+        <p:txBody>
+          <a:bodyPr>
+            <a:noAutofit/>
+          </a:bodyPr>
+          <a:lstStyle/>
+          <a:p>
+            <a:r>
+              <a:rPr lang="en-US" sz="2000" dirty="0"/>
+              <a:t>An algorithm  for the fast multiplication of  two </a:t>
+            </a:r>
+            <a:r>
+              <a:rPr lang="en-US" sz="2000" dirty="0">
+                <a:latin typeface="Cambria Math" pitchFamily="18" charset="0"/>
+                <a:ea typeface="Cambria Math" pitchFamily="18" charset="0"/>
+              </a:rPr>
+              <a:t>2</a:t>
+            </a:r>
+            <a:r>
+              <a:rPr lang="en-US" sz="2000" i="1" dirty="0"/>
+              <a:t>n</a:t>
+            </a:r>
+            <a:r>
+              <a:rPr lang="en-US" sz="2000" dirty="0"/>
+              <a:t>-bit integers  (assuming </a:t>
+            </a:r>
+            <a:r>
+              <a:rPr lang="en-US" sz="2000" i="1" dirty="0"/>
+              <a:t>n</a:t>
+            </a:r>
+            <a:r>
+              <a:rPr lang="en-US" sz="2000" dirty="0"/>
+              <a:t> is even) first splits each of the </a:t>
+            </a:r>
+            <a:r>
+              <a:rPr lang="en-US" sz="2000" dirty="0">
+                <a:latin typeface="Cambria Math" pitchFamily="18" charset="0"/>
+                <a:ea typeface="Cambria Math" pitchFamily="18" charset="0"/>
+              </a:rPr>
+              <a:t>2</a:t>
+            </a:r>
+            <a:r>
+              <a:rPr lang="en-US" sz="2000" i="1" dirty="0"/>
+              <a:t>n</a:t>
+            </a:r>
+            <a:r>
+              <a:rPr lang="en-US" sz="2000" dirty="0"/>
+              <a:t>-bit integers into two blocks, each of </a:t>
+            </a:r>
+            <a:r>
+              <a:rPr lang="en-US" sz="2000" i="1" dirty="0"/>
+              <a:t>n</a:t>
+            </a:r>
+            <a:r>
+              <a:rPr lang="en-US" sz="2000" dirty="0"/>
+              <a:t> bits.</a:t>
+            </a:r>
+          </a:p>
+          <a:p>
+            <a:r>
+              <a:rPr lang="en-US" sz="2000" dirty="0"/>
+              <a:t>Suppose that </a:t>
+            </a:r>
+            <a:r>
+              <a:rPr lang="en-US" sz="2000" i="1" dirty="0"/>
+              <a:t>a</a:t>
+            </a:r>
+            <a:r>
+              <a:rPr lang="en-US" sz="2000" dirty="0"/>
+              <a:t> and </a:t>
+            </a:r>
+            <a:r>
+              <a:rPr lang="en-US" sz="2000" i="1" dirty="0"/>
+              <a:t>b</a:t>
+            </a:r>
+            <a:r>
+              <a:rPr lang="en-US" sz="2000" dirty="0"/>
+              <a:t> are integers with binary expansions of length </a:t>
+            </a:r>
+            <a:r>
+              <a:rPr lang="en-US" sz="2000" dirty="0">
+                <a:latin typeface="Cambria Math" pitchFamily="18" charset="0"/>
+                <a:ea typeface="Cambria Math" pitchFamily="18" charset="0"/>
+              </a:rPr>
+              <a:t>2</a:t>
+            </a:r>
+            <a:r>
+              <a:rPr lang="en-US" sz="2000" i="1" dirty="0"/>
+              <a:t>n</a:t>
+            </a:r>
+            <a:r>
+              <a:rPr lang="en-US" sz="2000" dirty="0"/>
+              <a:t>. </a:t>
+            </a:r>
+            <a:r>
+              <a:rPr lang="en-US" sz="2000" dirty="0" smtClean="0"/>
+              <a:t>Let</a:t>
+            </a:r>
+            <a:r>
+              <a:rPr lang="lv-LV" sz="2000" dirty="0" smtClean="0"/>
+              <a:t/>
+            </a:r>
+            <a:br>
+              <a:rPr lang="lv-LV" sz="2000" dirty="0" smtClean="0"/>
+            </a:br>
+            <a:r>
+              <a:rPr lang="en-US" sz="2000" i="1" dirty="0" smtClean="0"/>
+              <a:t>a</a:t>
+            </a:r>
+            <a:r>
+              <a:rPr lang="en-US" sz="2000" dirty="0" smtClean="0"/>
+              <a:t> </a:t>
+            </a:r>
+            <a:r>
+              <a:rPr lang="en-US" sz="2000" dirty="0"/>
+              <a:t>= (</a:t>
+            </a:r>
+            <a:r>
+              <a:rPr lang="en-US" sz="2000" i="1" dirty="0"/>
+              <a:t>a</a:t>
+            </a:r>
+            <a:r>
+              <a:rPr lang="en-US" sz="2000" baseline="-25000" dirty="0">
+                <a:latin typeface="Cambria Math" pitchFamily="18" charset="0"/>
+                <a:ea typeface="Cambria Math" pitchFamily="18" charset="0"/>
+              </a:rPr>
+              <a:t>2</a:t>
+            </a:r>
+            <a:r>
+              <a:rPr lang="en-US" sz="2000" i="1" baseline="-25000" dirty="0"/>
+              <a:t>n</a:t>
+            </a:r>
+            <a:r>
+              <a:rPr lang="en-US" sz="2000" baseline="-25000" dirty="0">
+                <a:latin typeface="Cambria Math"/>
+                <a:ea typeface="Cambria Math"/>
+              </a:rPr>
+              <a:t>−1</a:t>
+            </a:r>
+            <a:r>
+              <a:rPr lang="en-US" sz="2000" i="1" dirty="0">
+                <a:ea typeface="Cambria Math"/>
+              </a:rPr>
+              <a:t>a</a:t>
+            </a:r>
+            <a:r>
+              <a:rPr lang="en-US" sz="2000" baseline="-25000" dirty="0">
+                <a:latin typeface="Cambria Math"/>
+                <a:ea typeface="Cambria Math"/>
+              </a:rPr>
+              <a:t>2</a:t>
+            </a:r>
+            <a:r>
+              <a:rPr lang="en-US" sz="2000" i="1" baseline="-25000" dirty="0">
+                <a:latin typeface="Cambria Math"/>
+                <a:ea typeface="Cambria Math"/>
+              </a:rPr>
+              <a:t>n</a:t>
+            </a:r>
+            <a:r>
+              <a:rPr lang="en-US" sz="2000" baseline="-25000" dirty="0">
+                <a:latin typeface="Cambria Math"/>
+                <a:ea typeface="Cambria Math"/>
+              </a:rPr>
+              <a:t>−2 </a:t>
+            </a:r>
+            <a:r>
+              <a:rPr lang="en-US" sz="2000" dirty="0">
+                <a:latin typeface="Cambria Math"/>
+                <a:ea typeface="Cambria Math"/>
+              </a:rPr>
+              <a:t>… </a:t>
+            </a:r>
+            <a:r>
+              <a:rPr lang="en-US" sz="2000" i="1" dirty="0">
+                <a:ea typeface="Cambria Math"/>
+              </a:rPr>
+              <a:t>a</a:t>
+            </a:r>
+            <a:r>
+              <a:rPr lang="en-US" sz="2000" baseline="-25000" dirty="0">
+                <a:latin typeface="Cambria Math"/>
+                <a:ea typeface="Cambria Math"/>
+              </a:rPr>
+              <a:t>1</a:t>
+            </a:r>
+            <a:r>
+              <a:rPr lang="en-US" sz="2000" i="1" dirty="0">
+                <a:ea typeface="Cambria Math"/>
+              </a:rPr>
+              <a:t>a</a:t>
+            </a:r>
+            <a:r>
+              <a:rPr lang="en-US" sz="2000" baseline="-25000" dirty="0">
+                <a:latin typeface="Cambria Math"/>
+                <a:ea typeface="Cambria Math"/>
+              </a:rPr>
+              <a:t>0</a:t>
+            </a:r>
+            <a:r>
+              <a:rPr lang="en-US" sz="2000" dirty="0">
+                <a:latin typeface="Cambria Math"/>
+                <a:ea typeface="Cambria Math"/>
+              </a:rPr>
+              <a:t>)</a:t>
+            </a:r>
+            <a:r>
+              <a:rPr lang="en-US" sz="2000" baseline="-25000" dirty="0">
+                <a:latin typeface="Cambria Math"/>
+                <a:ea typeface="Cambria Math"/>
+              </a:rPr>
+              <a:t>2   </a:t>
+            </a:r>
+            <a:r>
+              <a:rPr lang="en-US" sz="2000" dirty="0">
+                <a:ea typeface="Cambria Math"/>
+              </a:rPr>
+              <a:t>and</a:t>
+            </a:r>
+            <a:r>
+              <a:rPr lang="en-US" sz="2000" i="1" dirty="0"/>
+              <a:t> </a:t>
+            </a:r>
+            <a:r>
+              <a:rPr lang="lv-LV" sz="2000" i="1" dirty="0" smtClean="0"/>
+              <a:t/>
+            </a:r>
+            <a:br>
+              <a:rPr lang="lv-LV" sz="2000" i="1" dirty="0" smtClean="0"/>
+            </a:br>
+            <a:r>
+              <a:rPr lang="en-US" sz="2000" i="1" dirty="0" smtClean="0"/>
+              <a:t>b</a:t>
+            </a:r>
+            <a:r>
+              <a:rPr lang="en-US" sz="2000" dirty="0" smtClean="0"/>
+              <a:t> </a:t>
+            </a:r>
+            <a:r>
+              <a:rPr lang="en-US" sz="2000" dirty="0"/>
+              <a:t>= (</a:t>
+            </a:r>
+            <a:r>
+              <a:rPr lang="en-US" sz="2000" i="1" dirty="0"/>
+              <a:t>b</a:t>
+            </a:r>
+            <a:r>
+              <a:rPr lang="en-US" sz="2000" baseline="-25000" dirty="0">
+                <a:latin typeface="Cambria Math" pitchFamily="18" charset="0"/>
+                <a:ea typeface="Cambria Math" pitchFamily="18" charset="0"/>
+              </a:rPr>
+              <a:t>2</a:t>
+            </a:r>
+            <a:r>
+              <a:rPr lang="en-US" sz="2000" i="1" baseline="-25000" dirty="0"/>
+              <a:t>n</a:t>
+            </a:r>
+            <a:r>
+              <a:rPr lang="en-US" sz="2000" baseline="-25000" dirty="0">
+                <a:latin typeface="Cambria Math"/>
+                <a:ea typeface="Cambria Math"/>
+              </a:rPr>
+              <a:t>−1</a:t>
+            </a:r>
+            <a:r>
+              <a:rPr lang="en-US" sz="2000" i="1" dirty="0">
+                <a:ea typeface="Cambria Math"/>
+              </a:rPr>
+              <a:t>b</a:t>
+            </a:r>
+            <a:r>
+              <a:rPr lang="en-US" sz="2000" baseline="-25000" dirty="0">
+                <a:latin typeface="Cambria Math"/>
+                <a:ea typeface="Cambria Math"/>
+              </a:rPr>
+              <a:t>2</a:t>
+            </a:r>
+            <a:r>
+              <a:rPr lang="en-US" sz="2000" i="1" baseline="-25000" dirty="0">
+                <a:latin typeface="Cambria Math"/>
+                <a:ea typeface="Cambria Math"/>
+              </a:rPr>
+              <a:t>n</a:t>
+            </a:r>
+            <a:r>
+              <a:rPr lang="en-US" sz="2000" baseline="-25000" dirty="0">
+                <a:latin typeface="Cambria Math"/>
+                <a:ea typeface="Cambria Math"/>
+              </a:rPr>
+              <a:t>−2 </a:t>
+            </a:r>
+            <a:r>
+              <a:rPr lang="en-US" sz="2000" dirty="0">
+                <a:latin typeface="Cambria Math"/>
+                <a:ea typeface="Cambria Math"/>
+              </a:rPr>
+              <a:t>… </a:t>
+            </a:r>
+            <a:r>
+              <a:rPr lang="en-US" sz="2000" i="1" dirty="0">
+                <a:ea typeface="Cambria Math"/>
+              </a:rPr>
+              <a:t>b</a:t>
+            </a:r>
+            <a:r>
+              <a:rPr lang="en-US" sz="2000" baseline="-25000" dirty="0">
+                <a:latin typeface="Cambria Math"/>
+                <a:ea typeface="Cambria Math"/>
+              </a:rPr>
+              <a:t>1</a:t>
+            </a:r>
+            <a:r>
+              <a:rPr lang="en-US" sz="2000" i="1" dirty="0">
+                <a:ea typeface="Cambria Math"/>
+              </a:rPr>
+              <a:t>b</a:t>
+            </a:r>
+            <a:r>
+              <a:rPr lang="en-US" sz="2000" baseline="-25000" dirty="0">
+                <a:latin typeface="Cambria Math"/>
+                <a:ea typeface="Cambria Math"/>
+              </a:rPr>
+              <a:t>0</a:t>
+            </a:r>
+            <a:r>
+              <a:rPr lang="en-US" sz="2000" dirty="0">
+                <a:latin typeface="Cambria Math"/>
+                <a:ea typeface="Cambria Math"/>
+              </a:rPr>
+              <a:t>)</a:t>
+            </a:r>
+            <a:r>
+              <a:rPr lang="en-US" sz="2000" baseline="-25000" dirty="0">
+                <a:latin typeface="Cambria Math"/>
+                <a:ea typeface="Cambria Math"/>
+              </a:rPr>
+              <a:t>2</a:t>
+            </a:r>
+            <a:r>
+              <a:rPr lang="en-US" sz="2000" dirty="0"/>
+              <a:t> .</a:t>
+            </a:r>
+            <a:r>
+              <a:rPr lang="en-US" sz="2000" baseline="-25000" dirty="0">
+                <a:latin typeface="Cambria Math"/>
+                <a:ea typeface="Cambria Math"/>
+              </a:rPr>
+              <a:t> </a:t>
+            </a:r>
+            <a:endParaRPr lang="en-US" sz="2000" dirty="0"/>
+          </a:p>
+          <a:p>
+            <a:r>
+              <a:rPr lang="en-US" sz="2000" dirty="0"/>
+              <a:t>Let </a:t>
+            </a:r>
+            <a:r>
+              <a:rPr lang="en-US" sz="2000" i="1" dirty="0"/>
+              <a:t>a</a:t>
+            </a:r>
+            <a:r>
+              <a:rPr lang="en-US" sz="2000" dirty="0"/>
+              <a:t> = </a:t>
+            </a:r>
+            <a:r>
+              <a:rPr lang="en-US" sz="2000" dirty="0">
+                <a:latin typeface="Cambria Math" pitchFamily="18" charset="0"/>
+                <a:ea typeface="Cambria Math" pitchFamily="18" charset="0"/>
+              </a:rPr>
+              <a:t>2</a:t>
+            </a:r>
+            <a:r>
+              <a:rPr lang="en-US" sz="2000" i="1" baseline="30000" dirty="0"/>
+              <a:t>n</a:t>
+            </a:r>
+            <a:r>
+              <a:rPr lang="en-US" sz="2000" i="1" dirty="0"/>
+              <a:t>A</a:t>
+            </a:r>
+            <a:r>
+              <a:rPr lang="en-US" sz="2000" baseline="-25000" dirty="0">
+                <a:latin typeface="Cambria Math" pitchFamily="18" charset="0"/>
+                <a:ea typeface="Cambria Math" pitchFamily="18" charset="0"/>
+              </a:rPr>
+              <a:t>1</a:t>
+            </a:r>
+            <a:r>
+              <a:rPr lang="en-US" sz="2000" dirty="0"/>
+              <a:t> + </a:t>
+            </a:r>
+            <a:r>
+              <a:rPr lang="en-US" sz="2000" i="1" dirty="0"/>
+              <a:t>A</a:t>
+            </a:r>
+            <a:r>
+              <a:rPr lang="en-US" sz="2000" baseline="-25000" dirty="0">
+                <a:latin typeface="Cambria Math" pitchFamily="18" charset="0"/>
+                <a:ea typeface="Cambria Math" pitchFamily="18" charset="0"/>
+              </a:rPr>
+              <a:t>0</a:t>
+            </a:r>
+            <a:r>
+              <a:rPr lang="en-US" sz="2000" dirty="0"/>
+              <a:t>,  </a:t>
+            </a:r>
+            <a:r>
+              <a:rPr lang="en-US" sz="2000" i="1" dirty="0"/>
+              <a:t>b</a:t>
+            </a:r>
+            <a:r>
+              <a:rPr lang="en-US" sz="2000" dirty="0"/>
+              <a:t> = </a:t>
+            </a:r>
+            <a:r>
+              <a:rPr lang="en-US" sz="2000" dirty="0">
+                <a:latin typeface="Cambria Math" pitchFamily="18" charset="0"/>
+                <a:ea typeface="Cambria Math" pitchFamily="18" charset="0"/>
+              </a:rPr>
+              <a:t>2</a:t>
+            </a:r>
+            <a:r>
+              <a:rPr lang="en-US" sz="2000" i="1" baseline="30000" dirty="0"/>
+              <a:t>n</a:t>
+            </a:r>
+            <a:r>
+              <a:rPr lang="en-US" sz="2000" i="1" dirty="0"/>
+              <a:t>B</a:t>
+            </a:r>
+            <a:r>
+              <a:rPr lang="en-US" sz="2000" baseline="-25000" dirty="0">
+                <a:latin typeface="Cambria Math" pitchFamily="18" charset="0"/>
+                <a:ea typeface="Cambria Math" pitchFamily="18" charset="0"/>
+              </a:rPr>
+              <a:t>1</a:t>
+            </a:r>
+            <a:r>
+              <a:rPr lang="en-US" sz="2000" dirty="0"/>
+              <a:t> + </a:t>
+            </a:r>
+            <a:r>
+              <a:rPr lang="en-US" sz="2000" i="1" dirty="0"/>
+              <a:t>B</a:t>
+            </a:r>
+            <a:r>
+              <a:rPr lang="en-US" sz="2000" baseline="-25000" dirty="0">
+                <a:latin typeface="Cambria Math" pitchFamily="18" charset="0"/>
+                <a:ea typeface="Cambria Math" pitchFamily="18" charset="0"/>
+              </a:rPr>
+              <a:t>0</a:t>
+            </a:r>
+            <a:r>
+              <a:rPr lang="en-US" sz="2000" dirty="0"/>
+              <a:t> , </a:t>
+            </a:r>
+            <a:r>
+              <a:rPr lang="en-US" sz="2000" dirty="0" smtClean="0">
+                <a:latin typeface="Cambria Math" pitchFamily="18" charset="0"/>
+                <a:ea typeface="Cambria Math" pitchFamily="18" charset="0"/>
+              </a:rPr>
+              <a:t>where</a:t>
+            </a:r>
+            <a:r>
+              <a:rPr lang="lv-LV" sz="2000" dirty="0" smtClean="0">
+                <a:latin typeface="Cambria Math" pitchFamily="18" charset="0"/>
+                <a:ea typeface="Cambria Math" pitchFamily="18" charset="0"/>
+              </a:rPr>
+              <a:t/>
+            </a:r>
+            <a:br>
+              <a:rPr lang="lv-LV" sz="2000" dirty="0" smtClean="0">
+                <a:latin typeface="Cambria Math" pitchFamily="18" charset="0"/>
+                <a:ea typeface="Cambria Math" pitchFamily="18" charset="0"/>
+              </a:rPr>
+            </a:br>
+            <a:r>
+              <a:rPr lang="en-US" sz="2000" i="1" dirty="0" smtClean="0"/>
+              <a:t>A</a:t>
+            </a:r>
+            <a:r>
+              <a:rPr lang="en-US" sz="2000" baseline="-25000" dirty="0" smtClean="0">
+                <a:latin typeface="Cambria Math" pitchFamily="18" charset="0"/>
+                <a:ea typeface="Cambria Math" pitchFamily="18" charset="0"/>
+              </a:rPr>
+              <a:t>1</a:t>
+            </a:r>
+            <a:r>
+              <a:rPr lang="en-US" sz="2000" dirty="0" smtClean="0"/>
+              <a:t> </a:t>
+            </a:r>
+            <a:r>
+              <a:rPr lang="en-US" sz="2000" dirty="0"/>
+              <a:t>= (</a:t>
+            </a:r>
+            <a:r>
+              <a:rPr lang="en-US" sz="2000" i="1" dirty="0"/>
+              <a:t>a</a:t>
+            </a:r>
+            <a:r>
+              <a:rPr lang="en-US" sz="2000" baseline="-25000" dirty="0">
+                <a:latin typeface="Cambria Math" pitchFamily="18" charset="0"/>
+                <a:ea typeface="Cambria Math" pitchFamily="18" charset="0"/>
+              </a:rPr>
+              <a:t>2</a:t>
+            </a:r>
+            <a:r>
+              <a:rPr lang="en-US" sz="2000" i="1" baseline="-25000" dirty="0"/>
+              <a:t>n</a:t>
+            </a:r>
+            <a:r>
+              <a:rPr lang="en-US" sz="2000" baseline="-25000" dirty="0">
+                <a:latin typeface="Cambria Math"/>
+                <a:ea typeface="Cambria Math"/>
+              </a:rPr>
+              <a:t>−1 </a:t>
+            </a:r>
+            <a:r>
+              <a:rPr lang="en-US" sz="2000" dirty="0">
+                <a:latin typeface="Cambria Math"/>
+                <a:ea typeface="Cambria Math"/>
+              </a:rPr>
+              <a:t>… </a:t>
+            </a:r>
+            <a:r>
+              <a:rPr lang="en-US" sz="2000" i="1" dirty="0">
+                <a:ea typeface="Cambria Math"/>
+              </a:rPr>
+              <a:t>a</a:t>
+            </a:r>
+            <a:r>
+              <a:rPr lang="en-US" sz="2000" i="1" baseline="-25000" dirty="0">
+                <a:latin typeface="Cambria Math"/>
+                <a:ea typeface="Cambria Math"/>
+              </a:rPr>
+              <a:t>n</a:t>
+            </a:r>
+            <a:r>
+              <a:rPr lang="en-US" sz="2000" baseline="-25000" dirty="0">
+                <a:latin typeface="Cambria Math"/>
+                <a:ea typeface="Cambria Math"/>
+              </a:rPr>
+              <a:t>+1</a:t>
+            </a:r>
+            <a:r>
+              <a:rPr lang="en-US" sz="2000" i="1" dirty="0">
+                <a:ea typeface="Cambria Math"/>
+              </a:rPr>
+              <a:t>a</a:t>
+            </a:r>
+            <a:r>
+              <a:rPr lang="en-US" sz="2000" i="1" baseline="-25000" dirty="0">
+                <a:latin typeface="Cambria Math"/>
+                <a:ea typeface="Cambria Math"/>
+              </a:rPr>
+              <a:t>n</a:t>
+            </a:r>
+            <a:r>
+              <a:rPr lang="en-US" sz="2000" dirty="0">
+                <a:latin typeface="Cambria Math"/>
+                <a:ea typeface="Cambria Math"/>
+              </a:rPr>
+              <a:t>)</a:t>
+            </a:r>
+            <a:r>
+              <a:rPr lang="en-US" sz="2000" baseline="-25000" dirty="0">
+                <a:latin typeface="Cambria Math"/>
+                <a:ea typeface="Cambria Math"/>
+              </a:rPr>
+              <a:t>2</a:t>
+            </a:r>
+            <a:r>
+              <a:rPr lang="en-US" sz="2000" i="1" dirty="0">
+                <a:ea typeface="Cambria Math"/>
+              </a:rPr>
+              <a:t> </a:t>
+            </a:r>
+            <a:r>
+              <a:rPr lang="en-US" sz="2000" dirty="0"/>
+              <a:t>, </a:t>
+            </a:r>
+            <a:r>
+              <a:rPr lang="lv-LV" sz="2000" dirty="0" smtClean="0"/>
+              <a:t/>
+            </a:r>
+            <a:br>
+              <a:rPr lang="lv-LV" sz="2000" dirty="0" smtClean="0"/>
+            </a:br>
+            <a:r>
+              <a:rPr lang="en-US" sz="2000" i="1" dirty="0" smtClean="0"/>
+              <a:t>A</a:t>
+            </a:r>
+            <a:r>
+              <a:rPr lang="en-US" sz="2000" baseline="-25000" dirty="0" smtClean="0">
+                <a:latin typeface="Cambria Math" pitchFamily="18" charset="0"/>
+                <a:ea typeface="Cambria Math" pitchFamily="18" charset="0"/>
+              </a:rPr>
+              <a:t>0</a:t>
+            </a:r>
+            <a:r>
+              <a:rPr lang="en-US" sz="2000" dirty="0" smtClean="0">
+                <a:latin typeface="Cambria Math" pitchFamily="18" charset="0"/>
+                <a:ea typeface="Cambria Math" pitchFamily="18" charset="0"/>
+              </a:rPr>
+              <a:t> </a:t>
+            </a:r>
+            <a:r>
+              <a:rPr lang="en-US" sz="2000" dirty="0"/>
+              <a:t>= (</a:t>
+            </a:r>
+            <a:r>
+              <a:rPr lang="en-US" sz="2000" i="1" dirty="0"/>
+              <a:t>a</a:t>
+            </a:r>
+            <a:r>
+              <a:rPr lang="en-US" sz="2000" i="1" baseline="-25000" dirty="0"/>
+              <a:t>n</a:t>
+            </a:r>
+            <a:r>
+              <a:rPr lang="en-US" sz="2000" baseline="-25000" dirty="0">
+                <a:latin typeface="Cambria Math"/>
+                <a:ea typeface="Cambria Math"/>
+              </a:rPr>
+              <a:t>−1 </a:t>
+            </a:r>
+            <a:r>
+              <a:rPr lang="en-US" sz="2000" dirty="0">
+                <a:latin typeface="Cambria Math"/>
+                <a:ea typeface="Cambria Math"/>
+              </a:rPr>
+              <a:t>… </a:t>
+            </a:r>
+            <a:r>
+              <a:rPr lang="en-US" sz="2000" i="1" dirty="0">
+                <a:ea typeface="Cambria Math"/>
+              </a:rPr>
+              <a:t>a</a:t>
+            </a:r>
+            <a:r>
+              <a:rPr lang="en-US" sz="2000" baseline="-25000" dirty="0">
+                <a:latin typeface="Cambria Math"/>
+                <a:ea typeface="Cambria Math"/>
+              </a:rPr>
+              <a:t>1</a:t>
+            </a:r>
+            <a:r>
+              <a:rPr lang="en-US" sz="2000" i="1" dirty="0">
+                <a:ea typeface="Cambria Math"/>
+              </a:rPr>
+              <a:t>a</a:t>
+            </a:r>
+            <a:r>
+              <a:rPr lang="en-US" sz="2000" baseline="-25000" dirty="0">
+                <a:latin typeface="Cambria Math"/>
+                <a:ea typeface="Cambria Math"/>
+              </a:rPr>
+              <a:t>0</a:t>
+            </a:r>
+            <a:r>
+              <a:rPr lang="en-US" sz="2000" dirty="0">
+                <a:latin typeface="Cambria Math"/>
+                <a:ea typeface="Cambria Math"/>
+              </a:rPr>
+              <a:t>)</a:t>
+            </a:r>
+            <a:r>
+              <a:rPr lang="en-US" sz="2000" baseline="-25000" dirty="0">
+                <a:latin typeface="Cambria Math"/>
+                <a:ea typeface="Cambria Math"/>
+              </a:rPr>
+              <a:t>2</a:t>
+            </a:r>
+            <a:r>
+              <a:rPr lang="en-US" sz="2000" i="1" dirty="0">
+                <a:ea typeface="Cambria Math"/>
+              </a:rPr>
+              <a:t> </a:t>
+            </a:r>
+            <a:r>
+              <a:rPr lang="en-US" sz="2000" i="1" dirty="0" smtClean="0">
+                <a:ea typeface="Cambria Math"/>
+              </a:rPr>
+              <a:t>,</a:t>
+            </a:r>
+            <a:r>
+              <a:rPr lang="lv-LV" sz="2000" i="1" dirty="0" smtClean="0">
+                <a:ea typeface="Cambria Math"/>
+              </a:rPr>
+              <a:t/>
+            </a:r>
+            <a:br>
+              <a:rPr lang="lv-LV" sz="2000" i="1" dirty="0" smtClean="0">
+                <a:ea typeface="Cambria Math"/>
+              </a:rPr>
+            </a:br>
+            <a:r>
+              <a:rPr lang="en-US" sz="2000" i="1" dirty="0" smtClean="0"/>
+              <a:t>B</a:t>
+            </a:r>
+            <a:r>
+              <a:rPr lang="en-US" sz="2000" baseline="-25000" dirty="0" smtClean="0">
+                <a:latin typeface="Cambria Math" pitchFamily="18" charset="0"/>
+                <a:ea typeface="Cambria Math" pitchFamily="18" charset="0"/>
+              </a:rPr>
+              <a:t>1</a:t>
+            </a:r>
+            <a:r>
+              <a:rPr lang="en-US" sz="2000" dirty="0" smtClean="0"/>
+              <a:t> </a:t>
+            </a:r>
+            <a:r>
+              <a:rPr lang="en-US" sz="2000" dirty="0"/>
+              <a:t>= (</a:t>
+            </a:r>
+            <a:r>
+              <a:rPr lang="en-US" sz="2000" i="1" dirty="0"/>
+              <a:t>b</a:t>
+            </a:r>
+            <a:r>
+              <a:rPr lang="en-US" sz="2000" baseline="-25000" dirty="0">
+                <a:latin typeface="Cambria Math" pitchFamily="18" charset="0"/>
+                <a:ea typeface="Cambria Math" pitchFamily="18" charset="0"/>
+              </a:rPr>
+              <a:t>2</a:t>
+            </a:r>
+            <a:r>
+              <a:rPr lang="en-US" sz="2000" i="1" baseline="-25000" dirty="0"/>
+              <a:t>n</a:t>
+            </a:r>
+            <a:r>
+              <a:rPr lang="en-US" sz="2000" baseline="-25000" dirty="0">
+                <a:latin typeface="Cambria Math"/>
+                <a:ea typeface="Cambria Math"/>
+              </a:rPr>
+              <a:t>−1 </a:t>
+            </a:r>
+            <a:r>
+              <a:rPr lang="en-US" sz="2000" dirty="0">
+                <a:latin typeface="Cambria Math"/>
+                <a:ea typeface="Cambria Math"/>
+              </a:rPr>
+              <a:t>… </a:t>
+            </a:r>
+            <a:r>
+              <a:rPr lang="en-US" sz="2000" i="1" dirty="0">
+                <a:ea typeface="Cambria Math"/>
+              </a:rPr>
+              <a:t>b</a:t>
+            </a:r>
+            <a:r>
+              <a:rPr lang="en-US" sz="2000" i="1" baseline="-25000" dirty="0">
+                <a:latin typeface="Cambria Math"/>
+                <a:ea typeface="Cambria Math"/>
+              </a:rPr>
+              <a:t>n</a:t>
+            </a:r>
+            <a:r>
+              <a:rPr lang="en-US" sz="2000" baseline="-25000" dirty="0">
+                <a:latin typeface="Cambria Math"/>
+                <a:ea typeface="Cambria Math"/>
+              </a:rPr>
+              <a:t>+1</a:t>
+            </a:r>
+            <a:r>
+              <a:rPr lang="en-US" sz="2000" i="1" dirty="0">
+                <a:ea typeface="Cambria Math"/>
+              </a:rPr>
+              <a:t>b</a:t>
+            </a:r>
+            <a:r>
+              <a:rPr lang="en-US" sz="2000" i="1" baseline="-25000" dirty="0">
+                <a:latin typeface="Cambria Math"/>
+                <a:ea typeface="Cambria Math"/>
+              </a:rPr>
+              <a:t>n</a:t>
+            </a:r>
+            <a:r>
+              <a:rPr lang="en-US" sz="2000" dirty="0">
+                <a:latin typeface="Cambria Math"/>
+                <a:ea typeface="Cambria Math"/>
+              </a:rPr>
+              <a:t>)</a:t>
+            </a:r>
+            <a:r>
+              <a:rPr lang="en-US" sz="2000" baseline="-25000" dirty="0">
+                <a:latin typeface="Cambria Math"/>
+                <a:ea typeface="Cambria Math"/>
+              </a:rPr>
+              <a:t>2</a:t>
+            </a:r>
+            <a:r>
+              <a:rPr lang="en-US" sz="2000" i="1" dirty="0">
+                <a:ea typeface="Cambria Math"/>
+              </a:rPr>
+              <a:t> </a:t>
+            </a:r>
+            <a:r>
+              <a:rPr lang="en-US" sz="2000" dirty="0"/>
+              <a:t>, </a:t>
+            </a:r>
+            <a:r>
+              <a:rPr lang="lv-LV" sz="2000" dirty="0" smtClean="0"/>
+              <a:t/>
+            </a:r>
+            <a:br>
+              <a:rPr lang="lv-LV" sz="2000" dirty="0" smtClean="0"/>
+            </a:br>
+            <a:r>
+              <a:rPr lang="en-US" sz="2000" i="1" dirty="0" smtClean="0"/>
+              <a:t>B</a:t>
+            </a:r>
+            <a:r>
+              <a:rPr lang="en-US" sz="2000" baseline="-25000" dirty="0" smtClean="0">
+                <a:latin typeface="Cambria Math" pitchFamily="18" charset="0"/>
+                <a:ea typeface="Cambria Math" pitchFamily="18" charset="0"/>
+              </a:rPr>
+              <a:t>0</a:t>
+            </a:r>
+            <a:r>
+              <a:rPr lang="en-US" sz="2000" dirty="0" smtClean="0">
+                <a:latin typeface="Cambria Math" pitchFamily="18" charset="0"/>
+                <a:ea typeface="Cambria Math" pitchFamily="18" charset="0"/>
+              </a:rPr>
+              <a:t> </a:t>
+            </a:r>
+            <a:r>
+              <a:rPr lang="en-US" sz="2000" dirty="0"/>
+              <a:t>= (</a:t>
+            </a:r>
+            <a:r>
+              <a:rPr lang="en-US" sz="2000" i="1" dirty="0"/>
+              <a:t>b</a:t>
+            </a:r>
+            <a:r>
+              <a:rPr lang="en-US" sz="2000" i="1" baseline="-25000" dirty="0"/>
+              <a:t>n</a:t>
+            </a:r>
+            <a:r>
+              <a:rPr lang="en-US" sz="2000" baseline="-25000" dirty="0">
+                <a:latin typeface="Cambria Math"/>
+                <a:ea typeface="Cambria Math"/>
+              </a:rPr>
+              <a:t>−1 </a:t>
+            </a:r>
+            <a:r>
+              <a:rPr lang="en-US" sz="2000" dirty="0">
+                <a:latin typeface="Cambria Math"/>
+                <a:ea typeface="Cambria Math"/>
+              </a:rPr>
+              <a:t>… </a:t>
+            </a:r>
+            <a:r>
+              <a:rPr lang="en-US" sz="2000" i="1" dirty="0">
+                <a:ea typeface="Cambria Math"/>
+              </a:rPr>
+              <a:t>b</a:t>
+            </a:r>
+            <a:r>
+              <a:rPr lang="en-US" sz="2000" baseline="-25000" dirty="0">
+                <a:latin typeface="Cambria Math"/>
+                <a:ea typeface="Cambria Math"/>
+              </a:rPr>
+              <a:t>1</a:t>
+            </a:r>
+            <a:r>
+              <a:rPr lang="en-US" sz="2000" i="1" dirty="0">
+                <a:ea typeface="Cambria Math"/>
+              </a:rPr>
+              <a:t>b</a:t>
+            </a:r>
+            <a:r>
+              <a:rPr lang="en-US" sz="2000" baseline="-25000" dirty="0">
+                <a:latin typeface="Cambria Math"/>
+                <a:ea typeface="Cambria Math"/>
+              </a:rPr>
+              <a:t>0</a:t>
+            </a:r>
+            <a:r>
+              <a:rPr lang="en-US" sz="2000" dirty="0">
+                <a:latin typeface="Cambria Math"/>
+                <a:ea typeface="Cambria Math"/>
+              </a:rPr>
+              <a:t>)</a:t>
+            </a:r>
+            <a:r>
+              <a:rPr lang="en-US" sz="2000" baseline="-25000" dirty="0">
+                <a:latin typeface="Cambria Math"/>
+                <a:ea typeface="Cambria Math"/>
+              </a:rPr>
+              <a:t>2</a:t>
+            </a:r>
+            <a:r>
+              <a:rPr lang="en-US" sz="2000" dirty="0" smtClean="0">
+                <a:latin typeface="Cambria Math"/>
+                <a:ea typeface="Cambria Math"/>
+              </a:rPr>
+              <a:t>.</a:t>
+            </a:r>
+            <a:r>
+              <a:rPr lang="en-US" sz="2000" dirty="0" smtClean="0"/>
+              <a:t>        </a:t>
+            </a:r>
+            <a:endParaRPr lang="en-US" sz="2000" dirty="0"/>
+          </a:p>
+        </p:txBody>
+      </p:sp>
+      <p:sp>
+        <p:nvSpPr>
+          <p:cNvPr id="4" name="Content Placeholder 3"/>
+          <p:cNvSpPr>
+            <a:spLocks noGrp="1"/>
+          </p:cNvSpPr>
+          <p:nvPr>
+            <p:ph sz="half" idx="2"/>
+          </p:nvPr>
+        </p:nvSpPr>
+        <p:spPr/>
+        <p:txBody>
+          <a:bodyPr>
+            <a:noAutofit/>
+          </a:bodyPr>
+          <a:lstStyle/>
+          <a:p>
+            <a:r>
+              <a:rPr lang="en-US" sz="1800" dirty="0"/>
+              <a:t>The algorithm is based on the fact that </a:t>
+            </a:r>
+            <a:r>
+              <a:rPr lang="en-US" sz="1800" i="1" dirty="0"/>
+              <a:t>ab</a:t>
+            </a:r>
+            <a:r>
+              <a:rPr lang="en-US" sz="1800" dirty="0"/>
+              <a:t> can be rewritten as:</a:t>
+            </a:r>
+          </a:p>
+          <a:p>
+            <a:pPr>
+              <a:buNone/>
+            </a:pPr>
+            <a:r>
+              <a:rPr lang="en-US" sz="1600" i="1" dirty="0" smtClean="0"/>
+              <a:t>ab </a:t>
+            </a:r>
+            <a:r>
+              <a:rPr lang="en-US" sz="1600" dirty="0"/>
+              <a:t>= (</a:t>
+            </a:r>
+            <a:r>
+              <a:rPr lang="en-US" sz="1600" dirty="0">
+                <a:latin typeface="Cambria Math" pitchFamily="18" charset="0"/>
+                <a:ea typeface="Cambria Math" pitchFamily="18" charset="0"/>
+              </a:rPr>
+              <a:t>2</a:t>
+            </a:r>
+            <a:r>
+              <a:rPr lang="en-US" sz="1600" baseline="30000" dirty="0">
+                <a:latin typeface="Cambria Math" pitchFamily="18" charset="0"/>
+                <a:ea typeface="Cambria Math" pitchFamily="18" charset="0"/>
+              </a:rPr>
+              <a:t>2</a:t>
+            </a:r>
+            <a:r>
+              <a:rPr lang="en-US" sz="1600" i="1" baseline="30000" dirty="0"/>
+              <a:t>n</a:t>
+            </a:r>
+            <a:r>
+              <a:rPr lang="en-US" sz="1600" dirty="0"/>
+              <a:t> + </a:t>
+            </a:r>
+            <a:r>
+              <a:rPr lang="en-US" sz="1600" dirty="0">
+                <a:latin typeface="Cambria Math" pitchFamily="18" charset="0"/>
+                <a:ea typeface="Cambria Math" pitchFamily="18" charset="0"/>
+              </a:rPr>
+              <a:t>2</a:t>
+            </a:r>
+            <a:r>
+              <a:rPr lang="en-US" sz="1600" i="1" baseline="30000" dirty="0"/>
+              <a:t>n</a:t>
+            </a:r>
+            <a:r>
+              <a:rPr lang="en-US" sz="1600" dirty="0"/>
+              <a:t>)</a:t>
+            </a:r>
+            <a:r>
+              <a:rPr lang="en-US" sz="1600" i="1" dirty="0"/>
+              <a:t>A</a:t>
+            </a:r>
+            <a:r>
+              <a:rPr lang="en-US" sz="1600" baseline="-25000" dirty="0">
+                <a:latin typeface="Cambria Math" pitchFamily="18" charset="0"/>
+                <a:ea typeface="Cambria Math" pitchFamily="18" charset="0"/>
+              </a:rPr>
+              <a:t>1</a:t>
+            </a:r>
+            <a:r>
+              <a:rPr lang="en-US" sz="1600" i="1" dirty="0"/>
+              <a:t>B</a:t>
+            </a:r>
+            <a:r>
+              <a:rPr lang="en-US" sz="1600" baseline="-25000" dirty="0">
+                <a:latin typeface="Cambria Math" pitchFamily="18" charset="0"/>
+                <a:ea typeface="Cambria Math" pitchFamily="18" charset="0"/>
+              </a:rPr>
+              <a:t>1</a:t>
+            </a:r>
+            <a:r>
+              <a:rPr lang="en-US" sz="1600" dirty="0"/>
+              <a:t> +</a:t>
+            </a:r>
+            <a:r>
+              <a:rPr lang="en-US" sz="1600" dirty="0">
+                <a:latin typeface="Cambria Math" pitchFamily="18" charset="0"/>
+                <a:ea typeface="Cambria Math" pitchFamily="18" charset="0"/>
+              </a:rPr>
+              <a:t>2</a:t>
+            </a:r>
+            <a:r>
+              <a:rPr lang="en-US" sz="1600" i="1" baseline="30000" dirty="0"/>
+              <a:t>n </a:t>
+            </a:r>
+            <a:r>
+              <a:rPr lang="en-US" sz="1600" dirty="0"/>
+              <a:t>(</a:t>
+            </a:r>
+            <a:r>
+              <a:rPr lang="en-US" sz="1600" i="1" dirty="0"/>
+              <a:t>A</a:t>
+            </a:r>
+            <a:r>
+              <a:rPr lang="en-US" sz="1600" baseline="-25000" dirty="0">
+                <a:latin typeface="Cambria Math" pitchFamily="18" charset="0"/>
+                <a:ea typeface="Cambria Math" pitchFamily="18" charset="0"/>
+              </a:rPr>
+              <a:t>1</a:t>
+            </a:r>
+            <a:r>
+              <a:rPr lang="en-US" sz="1600" dirty="0">
+                <a:latin typeface="Cambria Math"/>
+                <a:ea typeface="Cambria Math"/>
+              </a:rPr>
+              <a:t>−</a:t>
+            </a:r>
+            <a:r>
+              <a:rPr lang="en-US" sz="1600" i="1" dirty="0"/>
+              <a:t>A</a:t>
+            </a:r>
+            <a:r>
+              <a:rPr lang="en-US" sz="1600" baseline="-25000" dirty="0">
+                <a:latin typeface="Cambria Math" pitchFamily="18" charset="0"/>
+                <a:ea typeface="Cambria Math" pitchFamily="18" charset="0"/>
+              </a:rPr>
+              <a:t>0</a:t>
+            </a:r>
+            <a:r>
+              <a:rPr lang="en-US" sz="1600" dirty="0"/>
+              <a:t>)(</a:t>
+            </a:r>
+            <a:r>
+              <a:rPr lang="en-US" sz="1600" i="1" dirty="0"/>
+              <a:t>B</a:t>
+            </a:r>
+            <a:r>
+              <a:rPr lang="en-US" sz="1600" baseline="-25000" dirty="0">
+                <a:latin typeface="Cambria Math" pitchFamily="18" charset="0"/>
+                <a:ea typeface="Cambria Math" pitchFamily="18" charset="0"/>
+              </a:rPr>
+              <a:t>0</a:t>
+            </a:r>
+            <a:r>
+              <a:rPr lang="en-US" sz="1600" dirty="0">
+                <a:latin typeface="Cambria Math"/>
+                <a:ea typeface="Cambria Math"/>
+              </a:rPr>
+              <a:t> − </a:t>
+            </a:r>
+            <a:r>
+              <a:rPr lang="en-US" sz="1600" i="1" dirty="0"/>
+              <a:t>B</a:t>
+            </a:r>
+            <a:r>
+              <a:rPr lang="en-US" sz="1600" baseline="-25000" dirty="0">
+                <a:latin typeface="Cambria Math" pitchFamily="18" charset="0"/>
+                <a:ea typeface="Cambria Math" pitchFamily="18" charset="0"/>
+              </a:rPr>
+              <a:t>1</a:t>
+            </a:r>
+            <a:r>
+              <a:rPr lang="en-US" sz="1600" dirty="0"/>
+              <a:t>) +(</a:t>
+            </a:r>
+            <a:r>
+              <a:rPr lang="en-US" sz="1600" dirty="0">
+                <a:latin typeface="Cambria Math" pitchFamily="18" charset="0"/>
+                <a:ea typeface="Cambria Math" pitchFamily="18" charset="0"/>
+              </a:rPr>
+              <a:t>2</a:t>
+            </a:r>
+            <a:r>
+              <a:rPr lang="en-US" sz="1600" i="1" baseline="30000" dirty="0"/>
+              <a:t>n</a:t>
+            </a:r>
+            <a:r>
+              <a:rPr lang="en-US" sz="1600" dirty="0"/>
+              <a:t> + </a:t>
+            </a:r>
+            <a:r>
+              <a:rPr lang="en-US" sz="1600" dirty="0">
+                <a:latin typeface="Cambria Math" pitchFamily="18" charset="0"/>
+                <a:ea typeface="Cambria Math" pitchFamily="18" charset="0"/>
+              </a:rPr>
+              <a:t>1</a:t>
+            </a:r>
+            <a:r>
+              <a:rPr lang="en-US" sz="1600" dirty="0"/>
+              <a:t>)</a:t>
+            </a:r>
+            <a:r>
+              <a:rPr lang="en-US" sz="1600" i="1" dirty="0"/>
+              <a:t>A</a:t>
+            </a:r>
+            <a:r>
+              <a:rPr lang="en-US" sz="1600" baseline="-25000" dirty="0">
+                <a:latin typeface="Cambria Math" pitchFamily="18" charset="0"/>
+                <a:ea typeface="Cambria Math" pitchFamily="18" charset="0"/>
+              </a:rPr>
+              <a:t>0</a:t>
+            </a:r>
+            <a:r>
+              <a:rPr lang="en-US" sz="1600" i="1" dirty="0"/>
+              <a:t>B</a:t>
+            </a:r>
+            <a:r>
+              <a:rPr lang="en-US" sz="1600" baseline="-25000" dirty="0">
+                <a:latin typeface="Cambria Math" pitchFamily="18" charset="0"/>
+                <a:ea typeface="Cambria Math" pitchFamily="18" charset="0"/>
+              </a:rPr>
+              <a:t>0</a:t>
+            </a:r>
+            <a:r>
+              <a:rPr lang="en-US" sz="1600" dirty="0"/>
+              <a:t>.</a:t>
+            </a:r>
+          </a:p>
+          <a:p>
+            <a:r>
+              <a:rPr lang="en-US" sz="1800" dirty="0"/>
+              <a:t>This identity shows that the multiplication of two </a:t>
+            </a:r>
+            <a:r>
+              <a:rPr lang="en-US" sz="1800" dirty="0">
+                <a:latin typeface="Cambria Math" pitchFamily="18" charset="0"/>
+                <a:ea typeface="Cambria Math" pitchFamily="18" charset="0"/>
+              </a:rPr>
+              <a:t>2</a:t>
+            </a:r>
+            <a:r>
+              <a:rPr lang="en-US" sz="1800" i="1" dirty="0"/>
+              <a:t>n</a:t>
+            </a:r>
+            <a:r>
+              <a:rPr lang="en-US" sz="1800" dirty="0"/>
+              <a:t>-bit integers can be carried out using three multiplications of </a:t>
+            </a:r>
+            <a:r>
+              <a:rPr lang="en-US" sz="1800" i="1" dirty="0"/>
+              <a:t>n</a:t>
+            </a:r>
+            <a:r>
+              <a:rPr lang="en-US" sz="1800" dirty="0"/>
+              <a:t>-bit integers, together with additions, subtractions, and shifts. </a:t>
+            </a:r>
+          </a:p>
+          <a:p>
+            <a:r>
+              <a:rPr lang="en-US" sz="1800" dirty="0"/>
+              <a:t>Hence, if </a:t>
+            </a:r>
+            <a:r>
+              <a:rPr lang="en-US" sz="1800" i="1" dirty="0"/>
+              <a:t>f</a:t>
+            </a:r>
+            <a:r>
+              <a:rPr lang="en-US" sz="1800" dirty="0"/>
+              <a:t>(</a:t>
+            </a:r>
+            <a:r>
+              <a:rPr lang="en-US" sz="1800" i="1" dirty="0"/>
+              <a:t>n</a:t>
+            </a:r>
+            <a:r>
+              <a:rPr lang="en-US" sz="1800" dirty="0"/>
+              <a:t>) is the total number of operations needed to multiply two </a:t>
+            </a:r>
+            <a:r>
+              <a:rPr lang="en-US" sz="1800" i="1" dirty="0"/>
+              <a:t>n</a:t>
+            </a:r>
+            <a:r>
+              <a:rPr lang="en-US" sz="1800" dirty="0"/>
+              <a:t>-bit integers, </a:t>
+            </a:r>
+            <a:r>
+              <a:rPr lang="en-US" sz="1800" dirty="0" smtClean="0"/>
+              <a:t>then</a:t>
+            </a:r>
+            <a:endParaRPr lang="en-US" sz="1800" dirty="0"/>
+          </a:p>
+          <a:p>
+            <a:pPr>
+              <a:buNone/>
+            </a:pPr>
+            <a:r>
+              <a:rPr lang="en-US" sz="1800" i="1" dirty="0"/>
+              <a:t>                f</a:t>
+            </a:r>
+            <a:r>
+              <a:rPr lang="en-US" sz="1800" dirty="0"/>
+              <a:t>(</a:t>
+            </a:r>
+            <a:r>
+              <a:rPr lang="en-US" sz="1800" dirty="0">
+                <a:latin typeface="Cambria Math" pitchFamily="18" charset="0"/>
+                <a:ea typeface="Cambria Math" pitchFamily="18" charset="0"/>
+              </a:rPr>
+              <a:t>2</a:t>
+            </a:r>
+            <a:r>
+              <a:rPr lang="en-US" sz="1800" i="1" dirty="0"/>
+              <a:t>n</a:t>
+            </a:r>
+            <a:r>
+              <a:rPr lang="en-US" sz="1800" dirty="0"/>
+              <a:t>) = </a:t>
+            </a:r>
+            <a:r>
+              <a:rPr lang="en-US" sz="1800" dirty="0">
+                <a:latin typeface="Cambria Math" pitchFamily="18" charset="0"/>
+                <a:ea typeface="Cambria Math" pitchFamily="18" charset="0"/>
+              </a:rPr>
+              <a:t>3</a:t>
+            </a:r>
+            <a:r>
+              <a:rPr lang="en-US" sz="1800" i="1" dirty="0"/>
+              <a:t>f</a:t>
+            </a:r>
+            <a:r>
+              <a:rPr lang="en-US" sz="1800" dirty="0"/>
+              <a:t>(</a:t>
+            </a:r>
+            <a:r>
+              <a:rPr lang="en-US" sz="1800" i="1" dirty="0"/>
+              <a:t>n</a:t>
+            </a:r>
+            <a:r>
+              <a:rPr lang="en-US" sz="1800" dirty="0"/>
+              <a:t>) + </a:t>
+            </a:r>
+            <a:r>
+              <a:rPr lang="en-US" sz="1800" i="1" dirty="0">
+                <a:ea typeface="Cambria Math" pitchFamily="18" charset="0"/>
+              </a:rPr>
+              <a:t>Cn        </a:t>
+            </a:r>
+          </a:p>
+          <a:p>
+            <a:pPr>
+              <a:buNone/>
+            </a:pPr>
+            <a:r>
+              <a:rPr lang="en-US" sz="1800" dirty="0" smtClean="0">
+                <a:ea typeface="Cambria Math" pitchFamily="18" charset="0"/>
+              </a:rPr>
+              <a:t>where </a:t>
+            </a:r>
+            <a:r>
+              <a:rPr lang="en-US" sz="1800" i="1" dirty="0">
+                <a:ea typeface="Cambria Math" pitchFamily="18" charset="0"/>
+              </a:rPr>
+              <a:t>Cn  </a:t>
+            </a:r>
+            <a:r>
+              <a:rPr lang="en-US" sz="1800" dirty="0">
+                <a:ea typeface="Cambria Math" pitchFamily="18" charset="0"/>
+              </a:rPr>
+              <a:t>represents the total number of bit operations; the additions, subtractions and shifts that are a constant multiple of </a:t>
+            </a:r>
+            <a:r>
+              <a:rPr lang="en-US" sz="1800" i="1" dirty="0">
+                <a:ea typeface="Cambria Math" pitchFamily="18" charset="0"/>
+              </a:rPr>
+              <a:t>n</a:t>
+            </a:r>
+            <a:r>
+              <a:rPr lang="en-US" sz="1800" dirty="0">
+                <a:ea typeface="Cambria Math" pitchFamily="18" charset="0"/>
+              </a:rPr>
+              <a:t>-bit operations.</a:t>
+            </a:r>
+          </a:p>
+          <a:p>
+            <a:endParaRPr lang="lv-LV" sz="1800" dirty="0"/>
+          </a:p>
+        </p:txBody>
+      </p:sp>
+    </p:spTree>
+    <p:extLst>
+      <p:ext uri="{BB962C8B-B14F-4D97-AF65-F5344CB8AC3E}">
+        <p14:creationId xmlns:p14="http://schemas.microsoft.com/office/powerpoint/2010/main" val="2591665436"/>
+      </p:ext>
+    </p:extLst>
+  </p:cSld>
+  <p:clrMapOvr>
+    <a:masterClrMapping/>
+  </p:clrMapOvr>
+</p:sld>
+</file>
+
+<file path=ppt/slides/slide13.xml><?xml version="1.0" encoding="utf-8"?>
+<p:sld xmlns:a="http://schemas.openxmlformats.org/drawingml/2006/main" xmlns:r="http://schemas.openxmlformats.org/officeDocument/2006/relationships" xmlns:p="http://schemas.openxmlformats.org/presentationml/2006/main">
+  <p:cSld>
+    <p:spTree>
+      <p:nvGrpSpPr>
+        <p:cNvPr id="1" name=""/>
+        <p:cNvGrpSpPr/>
+        <p:nvPr/>
+      </p:nvGrpSpPr>
+      <p:grpSpPr>
+        <a:xfrm>
+          <a:off x="0" y="0"/>
+          <a:ext cx="0" cy="0"/>
+          <a:chOff x="0" y="0"/>
+          <a:chExt cx="0" cy="0"/>
+        </a:xfrm>
+      </p:grpSpPr>
+      <p:sp>
+        <p:nvSpPr>
+          <p:cNvPr id="2" name="Title 1"/>
+          <p:cNvSpPr>
+            <a:spLocks noGrp="1"/>
+          </p:cNvSpPr>
+          <p:nvPr>
+            <p:ph type="title"/>
+          </p:nvPr>
+        </p:nvSpPr>
+        <p:spPr/>
+        <p:txBody>
+          <a:bodyPr>
+            <a:normAutofit/>
+          </a:bodyPr>
+          <a:lstStyle/>
+          <a:p>
+            <a:r>
+              <a:rPr lang="en-US" dirty="0" smtClean="0"/>
+              <a:t>Complexity of Fast Integer Multiplication Algorithm</a:t>
+            </a:r>
+            <a:endParaRPr lang="en-US" dirty="0"/>
+          </a:p>
+        </p:txBody>
+      </p:sp>
+      <p:sp>
+        <p:nvSpPr>
+          <p:cNvPr id="3" name="Content Placeholder 2"/>
+          <p:cNvSpPr>
+            <a:spLocks noGrp="1"/>
+          </p:cNvSpPr>
+          <p:nvPr>
+            <p:ph idx="1"/>
+          </p:nvPr>
+        </p:nvSpPr>
+        <p:spPr/>
+        <p:txBody>
+          <a:bodyPr>
+            <a:normAutofit fontScale="92500" lnSpcReduction="20000"/>
+          </a:bodyPr>
+          <a:lstStyle/>
+          <a:p>
+            <a:pPr>
+              <a:buNone/>
+            </a:pPr>
+            <a:r>
+              <a:rPr lang="en-US" b="1" dirty="0" smtClean="0"/>
+              <a:t>Integer Multiplication Example</a:t>
+            </a:r>
+            <a:r>
+              <a:rPr lang="en-US" dirty="0" smtClean="0"/>
+              <a:t>: Give a big-</a:t>
+            </a:r>
+            <a:r>
+              <a:rPr lang="en-US" i="1" dirty="0" smtClean="0"/>
+              <a:t>O</a:t>
+            </a:r>
+            <a:r>
+              <a:rPr lang="en-US" dirty="0" smtClean="0"/>
+              <a:t> estimate for the number of bit operations used needed to multiply two </a:t>
+            </a:r>
+            <a:r>
+              <a:rPr lang="en-US" i="1" dirty="0" smtClean="0"/>
+              <a:t>n</a:t>
+            </a:r>
+            <a:r>
+              <a:rPr lang="en-US" dirty="0" smtClean="0"/>
+              <a:t>-bit integers using the fast multiplication algorithm. </a:t>
+            </a:r>
+          </a:p>
+          <a:p>
+            <a:pPr>
+              <a:buNone/>
+            </a:pPr>
+            <a:r>
+              <a:rPr lang="en-US" b="1" dirty="0" smtClean="0"/>
+              <a:t>Solution</a:t>
+            </a:r>
+            <a:r>
+              <a:rPr lang="en-US" dirty="0" smtClean="0"/>
+              <a:t>: We have shown that</a:t>
+            </a:r>
+            <a:r>
+              <a:rPr lang="en-US" i="1" dirty="0"/>
+              <a:t> f</a:t>
+            </a:r>
+            <a:r>
+              <a:rPr lang="en-US" dirty="0"/>
+              <a:t>(</a:t>
+            </a:r>
+            <a:r>
+              <a:rPr lang="en-US" i="1" dirty="0"/>
+              <a:t>n</a:t>
+            </a:r>
+            <a:r>
+              <a:rPr lang="en-US" dirty="0"/>
+              <a:t>) = </a:t>
+            </a:r>
+            <a:r>
+              <a:rPr lang="en-US" dirty="0">
+                <a:latin typeface="Cambria Math" pitchFamily="18" charset="0"/>
+                <a:ea typeface="Cambria Math" pitchFamily="18" charset="0"/>
+              </a:rPr>
+              <a:t>3</a:t>
+            </a:r>
+            <a:r>
+              <a:rPr lang="en-US" i="1" dirty="0"/>
+              <a:t>f</a:t>
+            </a:r>
+            <a:r>
+              <a:rPr lang="en-US" dirty="0"/>
+              <a:t>(</a:t>
+            </a:r>
+            <a:r>
+              <a:rPr lang="en-US" i="1" dirty="0"/>
+              <a:t>n/</a:t>
+            </a:r>
+            <a:r>
+              <a:rPr lang="en-US" dirty="0">
+                <a:latin typeface="Cambria Math" pitchFamily="18" charset="0"/>
+                <a:ea typeface="Cambria Math" pitchFamily="18" charset="0"/>
+              </a:rPr>
+              <a:t>2</a:t>
+            </a:r>
+            <a:r>
+              <a:rPr lang="en-US" dirty="0"/>
+              <a:t>) + </a:t>
+            </a:r>
+            <a:r>
+              <a:rPr lang="en-US" i="1" dirty="0">
+                <a:ea typeface="Cambria Math" pitchFamily="18" charset="0"/>
+              </a:rPr>
+              <a:t>Cn, </a:t>
+            </a:r>
+            <a:r>
+              <a:rPr lang="en-US" dirty="0">
+                <a:ea typeface="Cambria Math" pitchFamily="18" charset="0"/>
+              </a:rPr>
+              <a:t>when</a:t>
+            </a:r>
+            <a:r>
+              <a:rPr lang="en-US" i="1" dirty="0">
+                <a:ea typeface="Cambria Math" pitchFamily="18" charset="0"/>
+              </a:rPr>
+              <a:t> n</a:t>
+            </a:r>
+            <a:r>
+              <a:rPr lang="en-US" dirty="0">
+                <a:ea typeface="Cambria Math" pitchFamily="18" charset="0"/>
+              </a:rPr>
+              <a:t> is even, where </a:t>
+            </a:r>
+            <a:r>
+              <a:rPr lang="en-US" i="1" dirty="0">
+                <a:ea typeface="Cambria Math" pitchFamily="18" charset="0"/>
+              </a:rPr>
+              <a:t>f</a:t>
+            </a:r>
+            <a:r>
+              <a:rPr lang="en-US" dirty="0">
+                <a:ea typeface="Cambria Math" pitchFamily="18" charset="0"/>
+              </a:rPr>
+              <a:t>(</a:t>
+            </a:r>
+            <a:r>
+              <a:rPr lang="en-US" i="1" dirty="0">
+                <a:ea typeface="Cambria Math" pitchFamily="18" charset="0"/>
+              </a:rPr>
+              <a:t>n</a:t>
+            </a:r>
+            <a:r>
+              <a:rPr lang="en-US" dirty="0">
+                <a:ea typeface="Cambria Math" pitchFamily="18" charset="0"/>
+              </a:rPr>
+              <a:t>) is the number of bit operations needed to multiply two </a:t>
+            </a:r>
+            <a:r>
+              <a:rPr lang="en-US" i="1" dirty="0">
+                <a:ea typeface="Cambria Math" pitchFamily="18" charset="0"/>
+              </a:rPr>
+              <a:t>n</a:t>
+            </a:r>
+            <a:r>
+              <a:rPr lang="en-US" dirty="0">
+                <a:ea typeface="Cambria Math" pitchFamily="18" charset="0"/>
+              </a:rPr>
+              <a:t>-bit integers. Hence by the master theorem  with </a:t>
+            </a:r>
+            <a:r>
+              <a:rPr lang="en-US" i="1" dirty="0">
+                <a:ea typeface="Cambria Math" pitchFamily="18" charset="0"/>
+              </a:rPr>
+              <a:t>a</a:t>
+            </a:r>
+            <a:r>
+              <a:rPr lang="en-US" dirty="0">
+                <a:ea typeface="Cambria Math" pitchFamily="18" charset="0"/>
+              </a:rPr>
+              <a:t> = </a:t>
+            </a:r>
+            <a:r>
+              <a:rPr lang="en-US" dirty="0">
+                <a:latin typeface="Cambria Math" pitchFamily="18" charset="0"/>
+                <a:ea typeface="Cambria Math" pitchFamily="18" charset="0"/>
+              </a:rPr>
+              <a:t>3</a:t>
+            </a:r>
+            <a:r>
+              <a:rPr lang="en-US" dirty="0">
+                <a:ea typeface="Cambria Math" pitchFamily="18" charset="0"/>
+              </a:rPr>
+              <a:t>, </a:t>
+            </a:r>
+            <a:r>
+              <a:rPr lang="en-US" i="1" dirty="0" smtClean="0">
+                <a:ea typeface="Cambria Math" pitchFamily="18" charset="0"/>
+              </a:rPr>
+              <a:t>b</a:t>
+            </a:r>
+            <a:r>
+              <a:rPr lang="en-US" dirty="0" smtClean="0">
+                <a:ea typeface="Cambria Math" pitchFamily="18" charset="0"/>
+              </a:rPr>
+              <a:t> </a:t>
+            </a:r>
+            <a:r>
+              <a:rPr lang="en-US" dirty="0">
+                <a:ea typeface="Cambria Math" pitchFamily="18" charset="0"/>
+              </a:rPr>
+              <a:t>= </a:t>
+            </a:r>
+            <a:r>
+              <a:rPr lang="en-US" dirty="0">
+                <a:latin typeface="Cambria Math" pitchFamily="18" charset="0"/>
+                <a:ea typeface="Cambria Math" pitchFamily="18" charset="0"/>
+              </a:rPr>
+              <a:t>2</a:t>
+            </a:r>
+            <a:r>
+              <a:rPr lang="en-US" dirty="0">
+                <a:ea typeface="Cambria Math" pitchFamily="18" charset="0"/>
+              </a:rPr>
+              <a:t>, </a:t>
+            </a:r>
+            <a:r>
+              <a:rPr lang="en-US" i="1" dirty="0">
+                <a:ea typeface="Cambria Math" pitchFamily="18" charset="0"/>
+              </a:rPr>
+              <a:t>c</a:t>
+            </a:r>
+            <a:r>
+              <a:rPr lang="en-US" dirty="0">
+                <a:ea typeface="Cambria Math" pitchFamily="18" charset="0"/>
+              </a:rPr>
+              <a:t> = </a:t>
+            </a:r>
+            <a:r>
+              <a:rPr lang="en-US" i="1" dirty="0">
+                <a:ea typeface="Cambria Math" pitchFamily="18" charset="0"/>
+              </a:rPr>
+              <a:t>C</a:t>
+            </a:r>
+            <a:r>
+              <a:rPr lang="en-US" dirty="0">
+                <a:ea typeface="Cambria Math" pitchFamily="18" charset="0"/>
+              </a:rPr>
+              <a:t>, and </a:t>
+            </a:r>
+            <a:r>
+              <a:rPr lang="en-US" i="1" dirty="0">
+                <a:ea typeface="Cambria Math" pitchFamily="18" charset="0"/>
+              </a:rPr>
+              <a:t>d</a:t>
+            </a:r>
+            <a:r>
+              <a:rPr lang="en-US" dirty="0">
+                <a:ea typeface="Cambria Math" pitchFamily="18" charset="0"/>
+              </a:rPr>
+              <a:t> = </a:t>
+            </a:r>
+            <a:r>
+              <a:rPr lang="en-US" dirty="0">
+                <a:latin typeface="Cambria Math" pitchFamily="18" charset="0"/>
+                <a:ea typeface="Cambria Math" pitchFamily="18" charset="0"/>
+              </a:rPr>
+              <a:t>0</a:t>
+            </a:r>
+            <a:r>
+              <a:rPr lang="en-US" dirty="0">
+                <a:ea typeface="Cambria Math" pitchFamily="18" charset="0"/>
+              </a:rPr>
+              <a:t> (so that we have the case where </a:t>
+            </a:r>
+            <a:r>
+              <a:rPr lang="en-US" i="1" dirty="0">
+                <a:ea typeface="Cambria Math" pitchFamily="18" charset="0"/>
+              </a:rPr>
+              <a:t>a</a:t>
+            </a:r>
+            <a:r>
+              <a:rPr lang="en-US" dirty="0">
+                <a:ea typeface="Cambria Math" pitchFamily="18" charset="0"/>
+              </a:rPr>
+              <a:t> &gt; </a:t>
+            </a:r>
+            <a:r>
+              <a:rPr lang="en-US" i="1" dirty="0" err="1">
+                <a:ea typeface="Cambria Math" pitchFamily="18" charset="0"/>
+              </a:rPr>
+              <a:t>b</a:t>
+            </a:r>
+            <a:r>
+              <a:rPr lang="en-US" i="1" baseline="30000" dirty="0" err="1">
+                <a:ea typeface="Cambria Math" pitchFamily="18" charset="0"/>
+              </a:rPr>
+              <a:t>d</a:t>
+            </a:r>
+            <a:r>
+              <a:rPr lang="en-US" dirty="0">
+                <a:ea typeface="Cambria Math" pitchFamily="18" charset="0"/>
+              </a:rPr>
+              <a:t>), it follows that </a:t>
+            </a:r>
+            <a:r>
+              <a:rPr lang="en-US" i="1" dirty="0"/>
+              <a:t>f</a:t>
+            </a:r>
+            <a:r>
+              <a:rPr lang="en-US" dirty="0"/>
+              <a:t>(</a:t>
+            </a:r>
+            <a:r>
+              <a:rPr lang="en-US" i="1" dirty="0"/>
+              <a:t>n</a:t>
+            </a:r>
+            <a:r>
+              <a:rPr lang="en-US" dirty="0"/>
+              <a:t>) is </a:t>
+            </a:r>
+            <a:r>
+              <a:rPr lang="en-US" i="1" dirty="0"/>
+              <a:t>O</a:t>
+            </a:r>
+            <a:r>
+              <a:rPr lang="en-US" dirty="0"/>
+              <a:t>(</a:t>
+            </a:r>
+            <a:r>
+              <a:rPr lang="en-US" i="1" dirty="0" err="1"/>
+              <a:t>n</a:t>
+            </a:r>
+            <a:r>
+              <a:rPr lang="en-US" baseline="30000" dirty="0" err="1"/>
+              <a:t>log</a:t>
+            </a:r>
+            <a:r>
+              <a:rPr lang="en-US" baseline="30000" dirty="0"/>
+              <a:t> </a:t>
+            </a:r>
+            <a:r>
+              <a:rPr lang="en-US" baseline="30000" dirty="0">
+                <a:latin typeface="Cambria Math" pitchFamily="18" charset="0"/>
+                <a:ea typeface="Cambria Math" pitchFamily="18" charset="0"/>
+              </a:rPr>
+              <a:t>3</a:t>
+            </a:r>
+            <a:r>
+              <a:rPr lang="en-US" dirty="0"/>
+              <a:t>). </a:t>
+            </a:r>
+            <a:endParaRPr lang="en-US" dirty="0" smtClean="0"/>
+          </a:p>
+          <a:p>
+            <a:pPr>
+              <a:buNone/>
+            </a:pPr>
+            <a:r>
+              <a:rPr lang="en-US" dirty="0" smtClean="0"/>
+              <a:t>Note that log </a:t>
+            </a:r>
+            <a:r>
+              <a:rPr lang="en-US" dirty="0" smtClean="0">
+                <a:latin typeface="Cambria Math" pitchFamily="18" charset="0"/>
+                <a:ea typeface="Cambria Math" pitchFamily="18" charset="0"/>
+              </a:rPr>
+              <a:t>3</a:t>
+            </a:r>
+            <a:r>
+              <a:rPr lang="en-US" dirty="0" smtClean="0"/>
+              <a:t> </a:t>
+            </a:r>
+            <a:r>
+              <a:rPr lang="en-US" dirty="0" smtClean="0">
+                <a:latin typeface="Cambria Math"/>
+                <a:ea typeface="Cambria Math"/>
+              </a:rPr>
+              <a:t>≈ 1.6. </a:t>
+            </a:r>
+            <a:r>
+              <a:rPr lang="en-US" dirty="0" smtClean="0">
+                <a:ea typeface="Cambria Math"/>
+              </a:rPr>
+              <a:t>Therefore the fast multiplication algorithm is a substantial improvement over the conventional algorithm</a:t>
+            </a:r>
+            <a:r>
+              <a:rPr lang="en-US" dirty="0" smtClean="0">
+                <a:latin typeface="Cambria Math"/>
+                <a:ea typeface="Cambria Math"/>
+              </a:rPr>
+              <a:t> </a:t>
+            </a:r>
+            <a:r>
+              <a:rPr lang="en-US" dirty="0" smtClean="0">
+                <a:ea typeface="Cambria Math"/>
+              </a:rPr>
+              <a:t>that uses </a:t>
+            </a:r>
+            <a:r>
+              <a:rPr lang="en-US" i="1" dirty="0" smtClean="0">
+                <a:ea typeface="Cambria Math"/>
+              </a:rPr>
+              <a:t>O</a:t>
+            </a:r>
+            <a:r>
+              <a:rPr lang="en-US" dirty="0" smtClean="0">
+                <a:latin typeface="Cambria Math"/>
+                <a:ea typeface="Cambria Math"/>
+              </a:rPr>
+              <a:t>(</a:t>
+            </a:r>
+            <a:r>
+              <a:rPr lang="en-US" i="1" dirty="0" smtClean="0">
+                <a:ea typeface="Cambria Math"/>
+              </a:rPr>
+              <a:t>n</a:t>
+            </a:r>
+            <a:r>
+              <a:rPr lang="en-US" baseline="30000" dirty="0" smtClean="0">
+                <a:latin typeface="Cambria Math"/>
+                <a:ea typeface="Cambria Math"/>
+              </a:rPr>
+              <a:t>2</a:t>
+            </a:r>
+            <a:r>
+              <a:rPr lang="en-US" dirty="0" smtClean="0">
+                <a:latin typeface="Cambria Math"/>
+                <a:ea typeface="Cambria Math"/>
+              </a:rPr>
+              <a:t>) </a:t>
+            </a:r>
+            <a:r>
+              <a:rPr lang="en-US" dirty="0" smtClean="0">
+                <a:ea typeface="Cambria Math"/>
+              </a:rPr>
+              <a:t>bit operations</a:t>
+            </a:r>
+            <a:r>
+              <a:rPr lang="en-US" dirty="0" smtClean="0">
+                <a:latin typeface="Cambria Math"/>
+                <a:ea typeface="Cambria Math"/>
+              </a:rPr>
+              <a:t>.</a:t>
+            </a:r>
+            <a:endParaRPr lang="en-US" sz="2200" dirty="0">
+              <a:ea typeface="Cambria Math" pitchFamily="18" charset="0"/>
+            </a:endParaRPr>
+          </a:p>
+          <a:p>
+            <a:pPr>
+              <a:buNone/>
+            </a:pPr>
+            <a:endParaRPr lang="en-US" dirty="0" smtClean="0"/>
+          </a:p>
+          <a:p>
+            <a:pPr>
+              <a:buNone/>
+            </a:pPr>
+            <a:endParaRPr lang="en-US" dirty="0" smtClean="0"/>
+          </a:p>
+          <a:p>
+            <a:pPr>
+              <a:buNone/>
+            </a:pPr>
+            <a:r>
+              <a:rPr lang="en-US" dirty="0" smtClean="0"/>
+              <a:t> </a:t>
+            </a:r>
+            <a:endParaRPr lang="en-US" sz="2400" dirty="0">
+              <a:latin typeface="Cambria Math" pitchFamily="18" charset="0"/>
+              <a:ea typeface="Cambria Math" pitchFamily="18" charset="0"/>
+            </a:endParaRPr>
+          </a:p>
+          <a:p>
+            <a:pPr>
+              <a:buNone/>
+            </a:pPr>
+            <a:endParaRPr lang="en-US" dirty="0"/>
+          </a:p>
+        </p:txBody>
+      </p:sp>
+    </p:spTree>
+    <p:extLst>
+      <p:ext uri="{BB962C8B-B14F-4D97-AF65-F5344CB8AC3E}">
+        <p14:creationId xmlns:p14="http://schemas.microsoft.com/office/powerpoint/2010/main" val="240553849"/>
+      </p:ext>
+    </p:extLst>
+  </p:cSld>
+  <p:clrMapOvr>
+    <a:masterClrMapping/>
+  </p:clrMapOvr>
+</p:sld>
+</file>
+
+<file path=ppt/slides/slide14.xml><?xml version="1.0" encoding="utf-8"?>
+<p:sld xmlns:a="http://schemas.openxmlformats.org/drawingml/2006/main" xmlns:r="http://schemas.openxmlformats.org/officeDocument/2006/relationships" xmlns:p="http://schemas.openxmlformats.org/presentationml/2006/main">
+  <p:cSld>
+    <p:spTree>
+      <p:nvGrpSpPr>
+        <p:cNvPr id="1" name=""/>
+        <p:cNvGrpSpPr/>
+        <p:nvPr/>
+      </p:nvGrpSpPr>
+      <p:grpSpPr>
+        <a:xfrm>
+          <a:off x="0" y="0"/>
+          <a:ext cx="0" cy="0"/>
+          <a:chOff x="0" y="0"/>
+          <a:chExt cx="0" cy="0"/>
+        </a:xfrm>
+      </p:grpSpPr>
+      <p:sp>
+        <p:nvSpPr>
+          <p:cNvPr id="2" name="Title 1"/>
+          <p:cNvSpPr>
+            <a:spLocks noGrp="1"/>
+          </p:cNvSpPr>
+          <p:nvPr>
+            <p:ph type="title"/>
+          </p:nvPr>
+        </p:nvSpPr>
+        <p:spPr/>
+        <p:txBody>
+          <a:bodyPr/>
+          <a:lstStyle/>
+          <a:p>
+            <a:r>
+              <a:rPr lang="en-US" dirty="0" smtClean="0"/>
+              <a:t>Biological Applications</a:t>
+            </a:r>
+            <a:endParaRPr lang="en-US" dirty="0"/>
+          </a:p>
+        </p:txBody>
+      </p:sp>
+      <p:sp>
+        <p:nvSpPr>
+          <p:cNvPr id="3" name="Content Placeholder 2"/>
+          <p:cNvSpPr>
+            <a:spLocks noGrp="1"/>
+          </p:cNvSpPr>
+          <p:nvPr>
+            <p:ph sz="half" idx="1"/>
+          </p:nvPr>
+        </p:nvSpPr>
+        <p:spPr/>
+        <p:txBody>
+          <a:bodyPr>
+            <a:normAutofit fontScale="92500" lnSpcReduction="10000"/>
+          </a:bodyPr>
+          <a:lstStyle/>
+          <a:p>
+            <a:r>
+              <a:rPr lang="en-US" dirty="0"/>
+              <a:t>Graph models are used extensively in many areas of the biological science.  We will describe two such models, one to ecology and the other to molecular biology.</a:t>
+            </a:r>
+          </a:p>
+          <a:p>
+            <a:r>
+              <a:rPr lang="en-US" i="1" dirty="0"/>
+              <a:t>Niche overlap graphs </a:t>
+            </a:r>
+            <a:r>
+              <a:rPr lang="en-US" dirty="0"/>
+              <a:t>model competition between species in an </a:t>
+            </a:r>
+            <a:r>
+              <a:rPr lang="en-US" dirty="0" smtClean="0"/>
+              <a:t>ecosystem</a:t>
+            </a:r>
+            <a:endParaRPr lang="lv-LV" dirty="0" smtClean="0"/>
+          </a:p>
+          <a:p>
+            <a:r>
+              <a:rPr lang="en-US" dirty="0" smtClean="0"/>
+              <a:t>Vertices </a:t>
+            </a:r>
+            <a:r>
+              <a:rPr lang="en-US" dirty="0"/>
+              <a:t>represent species </a:t>
+            </a:r>
+            <a:r>
+              <a:rPr lang="en-US" dirty="0" smtClean="0"/>
+              <a:t>and an edge connects two vertices when they </a:t>
+            </a:r>
+            <a:r>
+              <a:rPr lang="en-US" dirty="0"/>
+              <a:t>represent </a:t>
+            </a:r>
+            <a:r>
+              <a:rPr lang="en-US" dirty="0" smtClean="0"/>
+              <a:t>species </a:t>
+            </a:r>
+            <a:r>
+              <a:rPr lang="en-US" dirty="0"/>
+              <a:t>who compete for food resources</a:t>
+            </a:r>
+            <a:r>
+              <a:rPr lang="en-US" dirty="0" smtClean="0"/>
+              <a:t>.</a:t>
+            </a:r>
+          </a:p>
+        </p:txBody>
+      </p:sp>
+      <p:sp>
+        <p:nvSpPr>
+          <p:cNvPr id="5" name="Content Placeholder 4"/>
+          <p:cNvSpPr>
+            <a:spLocks noGrp="1"/>
+          </p:cNvSpPr>
+          <p:nvPr>
+            <p:ph sz="half" idx="2"/>
+          </p:nvPr>
+        </p:nvSpPr>
+        <p:spPr/>
+        <p:txBody>
+          <a:bodyPr>
+            <a:normAutofit fontScale="92500" lnSpcReduction="10000"/>
+          </a:bodyPr>
+          <a:lstStyle/>
+          <a:p>
+            <a:r>
+              <a:rPr lang="en-US" b="1" dirty="0"/>
+              <a:t>Example</a:t>
+            </a:r>
+            <a:r>
+              <a:rPr lang="en-US" dirty="0"/>
+              <a:t>: This is the niche overlap graph for a forest ecosystem with nine species.</a:t>
+            </a:r>
+          </a:p>
+          <a:p>
+            <a:endParaRPr lang="lv-LV" dirty="0"/>
+          </a:p>
+        </p:txBody>
+      </p:sp>
+      <p:pic>
+        <p:nvPicPr>
+          <p:cNvPr id="4" name="Picture 3" descr="09006.jpg"/>
+          <p:cNvPicPr>
+            <a:picLocks noChangeAspect="1"/>
+          </p:cNvPicPr>
+          <p:nvPr/>
+        </p:nvPicPr>
+        <p:blipFill>
+          <a:blip r:embed="rId2" cstate="print"/>
+          <a:stretch>
+            <a:fillRect/>
+          </a:stretch>
+        </p:blipFill>
+        <p:spPr>
+          <a:xfrm>
+            <a:off x="6753339" y="3293124"/>
+            <a:ext cx="3861037" cy="3018775"/>
+          </a:xfrm>
+          <a:prstGeom prst="rect">
+            <a:avLst/>
+          </a:prstGeom>
+        </p:spPr>
+      </p:pic>
+    </p:spTree>
+    <p:extLst>
+      <p:ext uri="{BB962C8B-B14F-4D97-AF65-F5344CB8AC3E}">
+        <p14:creationId xmlns:p14="http://schemas.microsoft.com/office/powerpoint/2010/main" val="4199845481"/>
+      </p:ext>
+    </p:extLst>
+  </p:cSld>
+  <p:clrMapOvr>
+    <a:masterClrMapping/>
+  </p:clrMapOvr>
+</p:sld>
+</file>
+
+<file path=ppt/slides/slide15.xml><?xml version="1.0" encoding="utf-8"?>
+<p:sld xmlns:a="http://schemas.openxmlformats.org/drawingml/2006/main" xmlns:r="http://schemas.openxmlformats.org/officeDocument/2006/relationships" xmlns:p="http://schemas.openxmlformats.org/presentationml/2006/main">
+  <p:cSld>
+    <p:spTree>
+      <p:nvGrpSpPr>
+        <p:cNvPr id="1" name=""/>
+        <p:cNvGrpSpPr/>
+        <p:nvPr/>
+      </p:nvGrpSpPr>
+      <p:grpSpPr>
+        <a:xfrm>
+          <a:off x="0" y="0"/>
+          <a:ext cx="0" cy="0"/>
+          <a:chOff x="0" y="0"/>
+          <a:chExt cx="0" cy="0"/>
+        </a:xfrm>
+      </p:grpSpPr>
+      <p:sp>
+        <p:nvSpPr>
+          <p:cNvPr id="2" name="Title 1"/>
+          <p:cNvSpPr>
+            <a:spLocks noGrp="1"/>
+          </p:cNvSpPr>
+          <p:nvPr>
+            <p:ph type="title"/>
+          </p:nvPr>
+        </p:nvSpPr>
+        <p:spPr/>
+        <p:txBody>
+          <a:bodyPr>
+            <a:normAutofit/>
+          </a:bodyPr>
+          <a:lstStyle/>
+          <a:p>
+            <a:r>
+              <a:rPr lang="en-US" dirty="0" smtClean="0"/>
+              <a:t>Biological Applications (</a:t>
+            </a:r>
+            <a:r>
+              <a:rPr lang="en-US" i="1" dirty="0" smtClean="0"/>
+              <a:t>continued</a:t>
+            </a:r>
+            <a:r>
+              <a:rPr lang="en-US" dirty="0" smtClean="0"/>
+              <a:t>)</a:t>
+            </a:r>
+            <a:endParaRPr lang="en-US" dirty="0"/>
+          </a:p>
+        </p:txBody>
+      </p:sp>
+      <p:sp>
+        <p:nvSpPr>
+          <p:cNvPr id="3" name="Content Placeholder 2"/>
+          <p:cNvSpPr>
+            <a:spLocks noGrp="1"/>
+          </p:cNvSpPr>
+          <p:nvPr>
+            <p:ph sz="half" idx="1"/>
+          </p:nvPr>
+        </p:nvSpPr>
+        <p:spPr/>
+        <p:txBody>
+          <a:bodyPr>
+            <a:normAutofit fontScale="70000" lnSpcReduction="20000"/>
+          </a:bodyPr>
+          <a:lstStyle/>
+          <a:p>
+            <a:r>
+              <a:rPr lang="en-US" dirty="0"/>
+              <a:t>We can model the interaction of proteins in a cell using a </a:t>
+            </a:r>
+            <a:r>
+              <a:rPr lang="en-US" i="1" dirty="0"/>
+              <a:t>protein interaction network.</a:t>
+            </a:r>
+          </a:p>
+          <a:p>
+            <a:r>
+              <a:rPr lang="en-US" dirty="0" smtClean="0"/>
+              <a:t>In </a:t>
+            </a:r>
+            <a:r>
+              <a:rPr lang="en-US" dirty="0"/>
+              <a:t>a </a:t>
+            </a:r>
+            <a:r>
+              <a:rPr lang="en-US" i="1" dirty="0"/>
+              <a:t>protein interaction graph</a:t>
+            </a:r>
+            <a:r>
+              <a:rPr lang="en-US" dirty="0"/>
+              <a:t>, vertices represent proteins </a:t>
+            </a:r>
+            <a:r>
+              <a:rPr lang="en-US" dirty="0" smtClean="0"/>
+              <a:t> and vertices are </a:t>
+            </a:r>
+            <a:r>
+              <a:rPr lang="en-US" dirty="0"/>
+              <a:t>connected by an edge if the proteins they represent </a:t>
+            </a:r>
+            <a:r>
+              <a:rPr lang="en-US" dirty="0" smtClean="0"/>
+              <a:t>interact.</a:t>
+            </a:r>
+            <a:endParaRPr lang="en-US" dirty="0"/>
+          </a:p>
+          <a:p>
+            <a:r>
+              <a:rPr lang="en-US" dirty="0" smtClean="0"/>
+              <a:t>Protein </a:t>
+            </a:r>
+            <a:r>
+              <a:rPr lang="en-US" dirty="0"/>
+              <a:t>interaction graphs can be huge and can contain more than 100,000 vertices, each representing a different protein, and more than 1,000,000 edges, each representing an interaction between </a:t>
+            </a:r>
+            <a:r>
+              <a:rPr lang="en-US" dirty="0" smtClean="0"/>
+              <a:t>proteins</a:t>
+            </a:r>
+            <a:endParaRPr lang="en-US" dirty="0"/>
+          </a:p>
+          <a:p>
+            <a:r>
+              <a:rPr lang="en-US" dirty="0"/>
+              <a:t>Protein interaction graphs are often split into smaller graphs, called </a:t>
+            </a:r>
+            <a:r>
+              <a:rPr lang="en-US" i="1" dirty="0"/>
+              <a:t>modules</a:t>
+            </a:r>
+            <a:r>
+              <a:rPr lang="en-US" dirty="0"/>
+              <a:t>,  which represent the interactions between </a:t>
+            </a:r>
+            <a:r>
+              <a:rPr lang="en-US" dirty="0" smtClean="0"/>
+              <a:t>proteins </a:t>
+            </a:r>
+            <a:r>
+              <a:rPr lang="en-US" dirty="0"/>
+              <a:t>involved in a particular </a:t>
+            </a:r>
+            <a:r>
+              <a:rPr lang="en-US" dirty="0" smtClean="0"/>
+              <a:t>function.</a:t>
+            </a:r>
+          </a:p>
+        </p:txBody>
+      </p:sp>
+      <p:sp>
+        <p:nvSpPr>
+          <p:cNvPr id="5" name="Content Placeholder 4"/>
+          <p:cNvSpPr>
+            <a:spLocks noGrp="1"/>
+          </p:cNvSpPr>
+          <p:nvPr>
+            <p:ph sz="half" idx="2"/>
+          </p:nvPr>
+        </p:nvSpPr>
+        <p:spPr/>
+        <p:txBody>
+          <a:bodyPr>
+            <a:normAutofit fontScale="70000" lnSpcReduction="20000"/>
+          </a:bodyPr>
+          <a:lstStyle/>
+          <a:p>
+            <a:r>
+              <a:rPr lang="en-US" b="1" dirty="0"/>
+              <a:t>Example</a:t>
+            </a:r>
+            <a:r>
+              <a:rPr lang="en-US" dirty="0"/>
+              <a:t>:  This is a module of the protein interaction graph of proteins that degrade RNA in a human cell.</a:t>
+            </a:r>
+          </a:p>
+          <a:p>
+            <a:endParaRPr lang="lv-LV" dirty="0"/>
+          </a:p>
+        </p:txBody>
+      </p:sp>
+      <p:pic>
+        <p:nvPicPr>
+          <p:cNvPr id="4" name="Picture 3" descr="FIGURE10.1.12.jpg"/>
+          <p:cNvPicPr>
+            <a:picLocks noChangeAspect="1"/>
+          </p:cNvPicPr>
+          <p:nvPr/>
+        </p:nvPicPr>
+        <p:blipFill>
+          <a:blip r:embed="rId2" cstate="print"/>
+          <a:stretch>
+            <a:fillRect/>
+          </a:stretch>
+        </p:blipFill>
+        <p:spPr>
+          <a:xfrm>
+            <a:off x="7246281" y="3014716"/>
+            <a:ext cx="2919932" cy="2471683"/>
+          </a:xfrm>
+          <a:prstGeom prst="rect">
+            <a:avLst/>
+          </a:prstGeom>
+        </p:spPr>
+      </p:pic>
+    </p:spTree>
+    <p:extLst>
+      <p:ext uri="{BB962C8B-B14F-4D97-AF65-F5344CB8AC3E}">
+        <p14:creationId xmlns:p14="http://schemas.microsoft.com/office/powerpoint/2010/main" val="3337924109"/>
+      </p:ext>
+    </p:extLst>
+  </p:cSld>
+  <p:clrMapOvr>
+    <a:masterClrMapping/>
+  </p:clrMapOvr>
+</p:sld>
+</file>
+
+<file path=ppt/slides/slide16.xml><?xml version="1.0" encoding="utf-8"?>
+<p:sld xmlns:a="http://schemas.openxmlformats.org/drawingml/2006/main" xmlns:r="http://schemas.openxmlformats.org/officeDocument/2006/relationships" xmlns:p="http://schemas.openxmlformats.org/presentationml/2006/main">
+  <p:cSld>
+    <p:spTree>
+      <p:nvGrpSpPr>
+        <p:cNvPr id="1" name=""/>
+        <p:cNvGrpSpPr/>
+        <p:nvPr/>
+      </p:nvGrpSpPr>
+      <p:grpSpPr>
+        <a:xfrm>
+          <a:off x="0" y="0"/>
+          <a:ext cx="0" cy="0"/>
+          <a:chOff x="0" y="0"/>
+          <a:chExt cx="0" cy="0"/>
+        </a:xfrm>
+      </p:grpSpPr>
+      <p:sp>
+        <p:nvSpPr>
+          <p:cNvPr id="2" name="Title 1"/>
+          <p:cNvSpPr>
+            <a:spLocks noGrp="1"/>
+          </p:cNvSpPr>
+          <p:nvPr>
+            <p:ph type="title"/>
+          </p:nvPr>
+        </p:nvSpPr>
+        <p:spPr/>
+        <p:txBody>
+          <a:bodyPr>
+            <a:normAutofit/>
+          </a:bodyPr>
+          <a:lstStyle/>
+          <a:p>
+            <a:r>
+              <a:rPr lang="en-US" dirty="0" smtClean="0"/>
+              <a:t>Algorithms for Graph Isomorphism</a:t>
+            </a:r>
+            <a:endParaRPr lang="en-US" dirty="0"/>
+          </a:p>
+        </p:txBody>
+      </p:sp>
+      <p:sp>
+        <p:nvSpPr>
+          <p:cNvPr id="3" name="Content Placeholder 2"/>
+          <p:cNvSpPr>
+            <a:spLocks noGrp="1"/>
+          </p:cNvSpPr>
+          <p:nvPr>
+            <p:ph idx="1"/>
+          </p:nvPr>
+        </p:nvSpPr>
+        <p:spPr/>
+        <p:txBody>
+          <a:bodyPr>
+            <a:normAutofit lnSpcReduction="10000"/>
+          </a:bodyPr>
+          <a:lstStyle/>
+          <a:p>
+            <a:r>
+              <a:rPr lang="en-US" dirty="0" smtClean="0"/>
+              <a:t>The best algorithms known for determining whether two graphs are isomorphic have exponential worst-case time complexity (in the number of vertices of the graphs).</a:t>
+            </a:r>
+          </a:p>
+          <a:p>
+            <a:r>
+              <a:rPr lang="en-US" dirty="0" smtClean="0"/>
+              <a:t>However,  there are algorithms with linear average-case time complexity. </a:t>
+            </a:r>
+          </a:p>
+          <a:p>
+            <a:r>
+              <a:rPr lang="en-US" dirty="0"/>
+              <a:t>You can use a public domain program called NAUTY to determine in less than a second whether two graphs with as many as 100 vertices are </a:t>
+            </a:r>
+            <a:r>
+              <a:rPr lang="en-US" dirty="0" err="1"/>
+              <a:t>isomoprhic</a:t>
+            </a:r>
+            <a:r>
+              <a:rPr lang="en-US" dirty="0"/>
+              <a:t>.</a:t>
+            </a:r>
+            <a:endParaRPr lang="en-US" dirty="0" smtClean="0"/>
+          </a:p>
+          <a:p>
+            <a:r>
+              <a:rPr lang="en-US" dirty="0" smtClean="0"/>
+              <a:t>Graph </a:t>
+            </a:r>
+            <a:r>
+              <a:rPr lang="en-US" dirty="0"/>
+              <a:t>i</a:t>
+            </a:r>
+            <a:r>
+              <a:rPr lang="en-US" dirty="0" smtClean="0"/>
+              <a:t>somorphism is a problem of special interest because it is one of a few NP problems not known to be either tractable or NP-complete (see Section </a:t>
+            </a:r>
+            <a:r>
+              <a:rPr lang="en-US" dirty="0" smtClean="0">
+                <a:latin typeface="Cambria Math" pitchFamily="18" charset="0"/>
+                <a:ea typeface="Cambria Math" pitchFamily="18" charset="0"/>
+              </a:rPr>
+              <a:t>3.3</a:t>
+            </a:r>
+            <a:r>
+              <a:rPr lang="en-US" dirty="0" smtClean="0"/>
+              <a:t>).</a:t>
+            </a:r>
+            <a:endParaRPr lang="en-US" dirty="0"/>
+          </a:p>
+        </p:txBody>
+      </p:sp>
+    </p:spTree>
+    <p:extLst>
+      <p:ext uri="{BB962C8B-B14F-4D97-AF65-F5344CB8AC3E}">
+        <p14:creationId xmlns:p14="http://schemas.microsoft.com/office/powerpoint/2010/main" val="972384359"/>
+      </p:ext>
+    </p:extLst>
+  </p:cSld>
+  <p:clrMapOvr>
+    <a:masterClrMapping/>
+  </p:clrMapOvr>
+</p:sld>
+</file>
+
+<file path=ppt/slides/slide17.xml><?xml version="1.0" encoding="utf-8"?>
+<p:sld xmlns:a="http://schemas.openxmlformats.org/drawingml/2006/main" xmlns:r="http://schemas.openxmlformats.org/officeDocument/2006/relationships" xmlns:p="http://schemas.openxmlformats.org/presentationml/2006/main">
+  <p:cSld>
+    <p:spTree>
+      <p:nvGrpSpPr>
+        <p:cNvPr id="1" name=""/>
+        <p:cNvGrpSpPr/>
+        <p:nvPr/>
+      </p:nvGrpSpPr>
+      <p:grpSpPr>
+        <a:xfrm>
+          <a:off x="0" y="0"/>
+          <a:ext cx="0" cy="0"/>
+          <a:chOff x="0" y="0"/>
+          <a:chExt cx="0" cy="0"/>
+        </a:xfrm>
+      </p:grpSpPr>
+      <p:sp>
+        <p:nvSpPr>
+          <p:cNvPr id="2" name="Title 1"/>
+          <p:cNvSpPr>
+            <a:spLocks noGrp="1"/>
+          </p:cNvSpPr>
+          <p:nvPr>
+            <p:ph type="title"/>
+          </p:nvPr>
+        </p:nvSpPr>
+        <p:spPr/>
+        <p:txBody>
+          <a:bodyPr>
+            <a:normAutofit/>
+          </a:bodyPr>
+          <a:lstStyle/>
+          <a:p>
+            <a:r>
+              <a:rPr lang="en-US" dirty="0" smtClean="0"/>
+              <a:t>Applications of Graph Isomorphism </a:t>
+            </a:r>
+            <a:endParaRPr lang="en-US" dirty="0"/>
+          </a:p>
+        </p:txBody>
+      </p:sp>
+      <p:sp>
+        <p:nvSpPr>
+          <p:cNvPr id="3" name="Content Placeholder 2"/>
+          <p:cNvSpPr>
+            <a:spLocks noGrp="1"/>
+          </p:cNvSpPr>
+          <p:nvPr>
+            <p:ph idx="1"/>
+          </p:nvPr>
+        </p:nvSpPr>
+        <p:spPr/>
+        <p:txBody>
+          <a:bodyPr>
+            <a:normAutofit fontScale="92500" lnSpcReduction="10000"/>
+          </a:bodyPr>
+          <a:lstStyle/>
+          <a:p>
+            <a:r>
+              <a:rPr lang="en-US" dirty="0"/>
+              <a:t>The question whether graphs are isomorphic plays an important role in applications of graph </a:t>
+            </a:r>
+            <a:r>
+              <a:rPr lang="en-US" dirty="0" smtClean="0"/>
+              <a:t>theory. For example, </a:t>
+            </a:r>
+          </a:p>
+          <a:p>
+            <a:pPr lvl="1"/>
+            <a:r>
+              <a:rPr lang="en-US" dirty="0"/>
+              <a:t>c</a:t>
+            </a:r>
+            <a:r>
+              <a:rPr lang="en-US" dirty="0" smtClean="0"/>
+              <a:t>hemists use molecular graphs to model chemical compounds. </a:t>
+            </a:r>
+            <a:r>
+              <a:rPr lang="en-US" dirty="0"/>
+              <a:t>V</a:t>
+            </a:r>
+            <a:r>
+              <a:rPr lang="en-US" dirty="0" smtClean="0"/>
+              <a:t>ertices represent atoms and edges represent chemical bonds. When a new compound is synthesized, a database of molecular graphs is checked </a:t>
+            </a:r>
+            <a:r>
+              <a:rPr lang="en-US" dirty="0"/>
+              <a:t>to </a:t>
+            </a:r>
+            <a:r>
+              <a:rPr lang="en-US" dirty="0" smtClean="0"/>
+              <a:t>determine whether </a:t>
+            </a:r>
+            <a:r>
+              <a:rPr lang="en-US" dirty="0"/>
+              <a:t>the graph representing the new compound is isomorphic to the graph of a compound that this already </a:t>
+            </a:r>
+            <a:r>
+              <a:rPr lang="en-US" dirty="0" smtClean="0"/>
+              <a:t>known. </a:t>
+            </a:r>
+          </a:p>
+          <a:p>
+            <a:pPr lvl="1"/>
+            <a:r>
+              <a:rPr lang="en-US" dirty="0" smtClean="0"/>
+              <a:t>Electronic circuits are modeled as graphs in which the vertices represent components and the edges represent connections between them. Graph isomorphism is the basis for </a:t>
+            </a:r>
+          </a:p>
+          <a:p>
+            <a:pPr lvl="2"/>
+            <a:r>
+              <a:rPr lang="en-US" sz="2400" dirty="0"/>
+              <a:t>the verification that a particular layout of a circuit corresponds to the design’s original schematics. </a:t>
+            </a:r>
+          </a:p>
+          <a:p>
+            <a:pPr lvl="2"/>
+            <a:r>
+              <a:rPr lang="en-US" sz="2400" dirty="0"/>
+              <a:t>determining whether a chip from one vendor includes the intellectual property of another vendor. </a:t>
+            </a:r>
+          </a:p>
+        </p:txBody>
+      </p:sp>
+    </p:spTree>
+    <p:extLst>
+      <p:ext uri="{BB962C8B-B14F-4D97-AF65-F5344CB8AC3E}">
+        <p14:creationId xmlns:p14="http://schemas.microsoft.com/office/powerpoint/2010/main" val="3435638675"/>
+      </p:ext>
+    </p:extLst>
+  </p:cSld>
+  <p:clrMapOvr>
+    <a:masterClrMapping/>
+  </p:clrMapOvr>
 </p:sld>
 </file>
 
